--- a/Khóa luận tốt nghiệp .pptx
+++ b/Khóa luận tốt nghiệp .pptx
@@ -265,6 +265,11 @@
       </a:defRPr>
     </a:lvl9pPr>
   </p:defaultTextStyle>
+  <p:extLst>
+    <p:ext uri="{EFAFB233-063F-42B5-8137-9DF3F51BA10A}">
+      <p15:sldGuideLst xmlns:p15="http://schemas.microsoft.com/office/powerpoint/2012/main"/>
+    </p:ext>
+  </p:extLst>
 </p:presentation>
 </file>
 
@@ -2336,8 +2341,8 @@
         </p:nvSpPr>
         <p:spPr>
           <a:xfrm>
-            <a:off x="1143225" y="685800"/>
-            <a:ext cx="4572225" cy="3429000"/>
+            <a:off x="381000" y="685800"/>
+            <a:ext cx="6096000" cy="3429000"/>
           </a:xfrm>
           <a:custGeom>
             <a:avLst/>
@@ -2440,8 +2445,8 @@
         </p:nvSpPr>
         <p:spPr>
           <a:xfrm>
-            <a:off x="1143225" y="685800"/>
-            <a:ext cx="4572225" cy="3429000"/>
+            <a:off x="381000" y="685800"/>
+            <a:ext cx="6096000" cy="3429000"/>
           </a:xfrm>
           <a:custGeom>
             <a:avLst/>
@@ -17714,8 +17719,8 @@
         </p:nvSpPr>
         <p:spPr>
           <a:xfrm>
-            <a:off x="1346445" y="1276089"/>
-            <a:ext cx="10070237" cy="3819694"/>
+            <a:off x="1346446" y="727969"/>
+            <a:ext cx="10070237" cy="3121542"/>
           </a:xfrm>
           <a:prstGeom prst="rect">
             <a:avLst/>
@@ -17748,15 +17753,33 @@
               <a:buNone/>
             </a:pPr>
             <a:r>
-              <a:rPr lang="en-US" sz="2800" b="1">
-                <a:latin typeface="Times New Roman"/>
-                <a:ea typeface="Times New Roman"/>
-                <a:cs typeface="Times New Roman"/>
-                <a:sym typeface="Times New Roman"/>
-              </a:rPr>
-              <a:t>Kiến thức</a:t>
-            </a:r>
-            <a:endParaRPr sz="2800" b="1">
+              <a:rPr lang="en-US" sz="2800" b="1" dirty="0" err="1">
+                <a:latin typeface="Times New Roman"/>
+                <a:ea typeface="Times New Roman"/>
+                <a:cs typeface="Times New Roman"/>
+                <a:sym typeface="Times New Roman"/>
+              </a:rPr>
+              <a:t>Kiến</a:t>
+            </a:r>
+            <a:r>
+              <a:rPr lang="en-US" sz="2800" b="1" dirty="0">
+                <a:latin typeface="Times New Roman"/>
+                <a:ea typeface="Times New Roman"/>
+                <a:cs typeface="Times New Roman"/>
+                <a:sym typeface="Times New Roman"/>
+              </a:rPr>
+              <a:t> </a:t>
+            </a:r>
+            <a:r>
+              <a:rPr lang="en-US" sz="2800" b="1" dirty="0" err="1">
+                <a:latin typeface="Times New Roman"/>
+                <a:ea typeface="Times New Roman"/>
+                <a:cs typeface="Times New Roman"/>
+                <a:sym typeface="Times New Roman"/>
+              </a:rPr>
+              <a:t>thức</a:t>
+            </a:r>
+            <a:endParaRPr sz="2800" b="1" dirty="0">
               <a:latin typeface="Times New Roman"/>
               <a:ea typeface="Times New Roman"/>
               <a:cs typeface="Times New Roman"/>
@@ -17782,15 +17805,204 @@
               <a:buChar char="•"/>
             </a:pPr>
             <a:r>
-              <a:rPr lang="en-US">
-                <a:latin typeface="Times New Roman"/>
-                <a:ea typeface="Times New Roman"/>
-                <a:cs typeface="Times New Roman"/>
-                <a:sym typeface="Times New Roman"/>
-              </a:rPr>
-              <a:t>Nắm được cách thức sử dụng, ưu và nhược điểm của framework Django</a:t>
-            </a:r>
-            <a:endParaRPr/>
+              <a:rPr lang="en-US" dirty="0" err="1">
+                <a:latin typeface="Times New Roman"/>
+                <a:ea typeface="Times New Roman"/>
+                <a:cs typeface="Times New Roman"/>
+                <a:sym typeface="Times New Roman"/>
+              </a:rPr>
+              <a:t>Nắm</a:t>
+            </a:r>
+            <a:r>
+              <a:rPr lang="en-US" dirty="0">
+                <a:latin typeface="Times New Roman"/>
+                <a:ea typeface="Times New Roman"/>
+                <a:cs typeface="Times New Roman"/>
+                <a:sym typeface="Times New Roman"/>
+              </a:rPr>
+              <a:t> </a:t>
+            </a:r>
+            <a:r>
+              <a:rPr lang="en-US" dirty="0" err="1">
+                <a:latin typeface="Times New Roman"/>
+                <a:ea typeface="Times New Roman"/>
+                <a:cs typeface="Times New Roman"/>
+                <a:sym typeface="Times New Roman"/>
+              </a:rPr>
+              <a:t>được</a:t>
+            </a:r>
+            <a:r>
+              <a:rPr lang="en-US" dirty="0">
+                <a:latin typeface="Times New Roman"/>
+                <a:ea typeface="Times New Roman"/>
+                <a:cs typeface="Times New Roman"/>
+                <a:sym typeface="Times New Roman"/>
+              </a:rPr>
+              <a:t> </a:t>
+            </a:r>
+            <a:r>
+              <a:rPr lang="en-US" dirty="0" err="1">
+                <a:latin typeface="Times New Roman"/>
+                <a:ea typeface="Times New Roman"/>
+                <a:cs typeface="Times New Roman"/>
+                <a:sym typeface="Times New Roman"/>
+              </a:rPr>
+              <a:t>cách</a:t>
+            </a:r>
+            <a:r>
+              <a:rPr lang="en-US" dirty="0">
+                <a:latin typeface="Times New Roman"/>
+                <a:ea typeface="Times New Roman"/>
+                <a:cs typeface="Times New Roman"/>
+                <a:sym typeface="Times New Roman"/>
+              </a:rPr>
+              <a:t> </a:t>
+            </a:r>
+            <a:r>
+              <a:rPr lang="en-US" dirty="0" err="1">
+                <a:latin typeface="Times New Roman"/>
+                <a:ea typeface="Times New Roman"/>
+                <a:cs typeface="Times New Roman"/>
+                <a:sym typeface="Times New Roman"/>
+              </a:rPr>
+              <a:t>thức</a:t>
+            </a:r>
+            <a:r>
+              <a:rPr lang="en-US" dirty="0">
+                <a:latin typeface="Times New Roman"/>
+                <a:ea typeface="Times New Roman"/>
+                <a:cs typeface="Times New Roman"/>
+                <a:sym typeface="Times New Roman"/>
+              </a:rPr>
+              <a:t> </a:t>
+            </a:r>
+            <a:r>
+              <a:rPr lang="en-US" dirty="0" err="1">
+                <a:latin typeface="Times New Roman"/>
+                <a:ea typeface="Times New Roman"/>
+                <a:cs typeface="Times New Roman"/>
+                <a:sym typeface="Times New Roman"/>
+              </a:rPr>
+              <a:t>sử</a:t>
+            </a:r>
+            <a:r>
+              <a:rPr lang="en-US" dirty="0">
+                <a:latin typeface="Times New Roman"/>
+                <a:ea typeface="Times New Roman"/>
+                <a:cs typeface="Times New Roman"/>
+                <a:sym typeface="Times New Roman"/>
+              </a:rPr>
+              <a:t> </a:t>
+            </a:r>
+            <a:r>
+              <a:rPr lang="en-US" dirty="0" err="1">
+                <a:latin typeface="Times New Roman"/>
+                <a:ea typeface="Times New Roman"/>
+                <a:cs typeface="Times New Roman"/>
+                <a:sym typeface="Times New Roman"/>
+              </a:rPr>
+              <a:t>dụng</a:t>
+            </a:r>
+            <a:r>
+              <a:rPr lang="en-US" dirty="0">
+                <a:latin typeface="Times New Roman"/>
+                <a:ea typeface="Times New Roman"/>
+                <a:cs typeface="Times New Roman"/>
+                <a:sym typeface="Times New Roman"/>
+              </a:rPr>
+              <a:t>, </a:t>
+            </a:r>
+            <a:r>
+              <a:rPr lang="en-US" dirty="0" err="1">
+                <a:latin typeface="Times New Roman"/>
+                <a:ea typeface="Times New Roman"/>
+                <a:cs typeface="Times New Roman"/>
+                <a:sym typeface="Times New Roman"/>
+              </a:rPr>
+              <a:t>ưu</a:t>
+            </a:r>
+            <a:r>
+              <a:rPr lang="en-US" dirty="0">
+                <a:latin typeface="Times New Roman"/>
+                <a:ea typeface="Times New Roman"/>
+                <a:cs typeface="Times New Roman"/>
+                <a:sym typeface="Times New Roman"/>
+              </a:rPr>
+              <a:t> </a:t>
+            </a:r>
+            <a:r>
+              <a:rPr lang="en-US" dirty="0" err="1">
+                <a:latin typeface="Times New Roman"/>
+                <a:ea typeface="Times New Roman"/>
+                <a:cs typeface="Times New Roman"/>
+                <a:sym typeface="Times New Roman"/>
+              </a:rPr>
+              <a:t>và</a:t>
+            </a:r>
+            <a:r>
+              <a:rPr lang="en-US" dirty="0">
+                <a:latin typeface="Times New Roman"/>
+                <a:ea typeface="Times New Roman"/>
+                <a:cs typeface="Times New Roman"/>
+                <a:sym typeface="Times New Roman"/>
+              </a:rPr>
+              <a:t> </a:t>
+            </a:r>
+            <a:r>
+              <a:rPr lang="en-US" dirty="0" err="1">
+                <a:latin typeface="Times New Roman"/>
+                <a:ea typeface="Times New Roman"/>
+                <a:cs typeface="Times New Roman"/>
+                <a:sym typeface="Times New Roman"/>
+              </a:rPr>
+              <a:t>nhược</a:t>
+            </a:r>
+            <a:r>
+              <a:rPr lang="en-US" dirty="0">
+                <a:latin typeface="Times New Roman"/>
+                <a:ea typeface="Times New Roman"/>
+                <a:cs typeface="Times New Roman"/>
+                <a:sym typeface="Times New Roman"/>
+              </a:rPr>
+              <a:t> </a:t>
+            </a:r>
+            <a:r>
+              <a:rPr lang="en-US" dirty="0" err="1">
+                <a:latin typeface="Times New Roman"/>
+                <a:ea typeface="Times New Roman"/>
+                <a:cs typeface="Times New Roman"/>
+                <a:sym typeface="Times New Roman"/>
+              </a:rPr>
+              <a:t>điểm</a:t>
+            </a:r>
+            <a:r>
+              <a:rPr lang="en-US" dirty="0">
+                <a:latin typeface="Times New Roman"/>
+                <a:ea typeface="Times New Roman"/>
+                <a:cs typeface="Times New Roman"/>
+                <a:sym typeface="Times New Roman"/>
+              </a:rPr>
+              <a:t> </a:t>
+            </a:r>
+            <a:r>
+              <a:rPr lang="en-US" dirty="0" err="1">
+                <a:latin typeface="Times New Roman"/>
+                <a:ea typeface="Times New Roman"/>
+                <a:cs typeface="Times New Roman"/>
+                <a:sym typeface="Times New Roman"/>
+              </a:rPr>
+              <a:t>của</a:t>
+            </a:r>
+            <a:r>
+              <a:rPr lang="en-US" dirty="0">
+                <a:latin typeface="Times New Roman"/>
+                <a:ea typeface="Times New Roman"/>
+                <a:cs typeface="Times New Roman"/>
+                <a:sym typeface="Times New Roman"/>
+              </a:rPr>
+              <a:t> framework Django</a:t>
+            </a:r>
+            <a:endParaRPr dirty="0"/>
           </a:p>
           <a:p>
             <a:pPr marL="342900" lvl="0" indent="-342900" algn="l" rtl="0">
@@ -17811,15 +18023,285 @@
               <a:buChar char="•"/>
             </a:pPr>
             <a:r>
-              <a:rPr lang="en-US">
-                <a:latin typeface="Times New Roman"/>
-                <a:ea typeface="Times New Roman"/>
-                <a:cs typeface="Times New Roman"/>
-                <a:sym typeface="Times New Roman"/>
-              </a:rPr>
-              <a:t>Áp dụng được các kiến thức trong kỹ thuật phát triển và kiểm thử phần mềm</a:t>
-            </a:r>
-            <a:endParaRPr>
+              <a:rPr lang="en-US" dirty="0" err="1">
+                <a:latin typeface="Times New Roman"/>
+                <a:ea typeface="Times New Roman"/>
+                <a:cs typeface="Times New Roman"/>
+                <a:sym typeface="Times New Roman"/>
+              </a:rPr>
+              <a:t>Áp</a:t>
+            </a:r>
+            <a:r>
+              <a:rPr lang="en-US" dirty="0">
+                <a:latin typeface="Times New Roman"/>
+                <a:ea typeface="Times New Roman"/>
+                <a:cs typeface="Times New Roman"/>
+                <a:sym typeface="Times New Roman"/>
+              </a:rPr>
+              <a:t> </a:t>
+            </a:r>
+            <a:r>
+              <a:rPr lang="en-US" dirty="0" err="1">
+                <a:latin typeface="Times New Roman"/>
+                <a:ea typeface="Times New Roman"/>
+                <a:cs typeface="Times New Roman"/>
+                <a:sym typeface="Times New Roman"/>
+              </a:rPr>
+              <a:t>dụng</a:t>
+            </a:r>
+            <a:r>
+              <a:rPr lang="en-US" dirty="0">
+                <a:latin typeface="Times New Roman"/>
+                <a:ea typeface="Times New Roman"/>
+                <a:cs typeface="Times New Roman"/>
+                <a:sym typeface="Times New Roman"/>
+              </a:rPr>
+              <a:t> </a:t>
+            </a:r>
+            <a:r>
+              <a:rPr lang="en-US" dirty="0" err="1">
+                <a:latin typeface="Times New Roman"/>
+                <a:ea typeface="Times New Roman"/>
+                <a:cs typeface="Times New Roman"/>
+                <a:sym typeface="Times New Roman"/>
+              </a:rPr>
+              <a:t>được</a:t>
+            </a:r>
+            <a:r>
+              <a:rPr lang="en-US" dirty="0">
+                <a:latin typeface="Times New Roman"/>
+                <a:ea typeface="Times New Roman"/>
+                <a:cs typeface="Times New Roman"/>
+                <a:sym typeface="Times New Roman"/>
+              </a:rPr>
+              <a:t> </a:t>
+            </a:r>
+            <a:r>
+              <a:rPr lang="en-US" dirty="0" err="1">
+                <a:latin typeface="Times New Roman"/>
+                <a:ea typeface="Times New Roman"/>
+                <a:cs typeface="Times New Roman"/>
+                <a:sym typeface="Times New Roman"/>
+              </a:rPr>
+              <a:t>các</a:t>
+            </a:r>
+            <a:r>
+              <a:rPr lang="en-US" dirty="0">
+                <a:latin typeface="Times New Roman"/>
+                <a:ea typeface="Times New Roman"/>
+                <a:cs typeface="Times New Roman"/>
+                <a:sym typeface="Times New Roman"/>
+              </a:rPr>
+              <a:t> </a:t>
+            </a:r>
+            <a:r>
+              <a:rPr lang="en-US" dirty="0" err="1">
+                <a:latin typeface="Times New Roman"/>
+                <a:ea typeface="Times New Roman"/>
+                <a:cs typeface="Times New Roman"/>
+                <a:sym typeface="Times New Roman"/>
+              </a:rPr>
+              <a:t>kiến</a:t>
+            </a:r>
+            <a:r>
+              <a:rPr lang="en-US" dirty="0">
+                <a:latin typeface="Times New Roman"/>
+                <a:ea typeface="Times New Roman"/>
+                <a:cs typeface="Times New Roman"/>
+                <a:sym typeface="Times New Roman"/>
+              </a:rPr>
+              <a:t> </a:t>
+            </a:r>
+            <a:r>
+              <a:rPr lang="en-US" dirty="0" err="1">
+                <a:latin typeface="Times New Roman"/>
+                <a:ea typeface="Times New Roman"/>
+                <a:cs typeface="Times New Roman"/>
+                <a:sym typeface="Times New Roman"/>
+              </a:rPr>
+              <a:t>thức</a:t>
+            </a:r>
+            <a:r>
+              <a:rPr lang="en-US" dirty="0">
+                <a:latin typeface="Times New Roman"/>
+                <a:ea typeface="Times New Roman"/>
+                <a:cs typeface="Times New Roman"/>
+                <a:sym typeface="Times New Roman"/>
+              </a:rPr>
+              <a:t> </a:t>
+            </a:r>
+            <a:r>
+              <a:rPr lang="en-US" dirty="0" err="1">
+                <a:latin typeface="Times New Roman"/>
+                <a:ea typeface="Times New Roman"/>
+                <a:cs typeface="Times New Roman"/>
+                <a:sym typeface="Times New Roman"/>
+              </a:rPr>
+              <a:t>trong</a:t>
+            </a:r>
+            <a:r>
+              <a:rPr lang="en-US" dirty="0">
+                <a:latin typeface="Times New Roman"/>
+                <a:ea typeface="Times New Roman"/>
+                <a:cs typeface="Times New Roman"/>
+                <a:sym typeface="Times New Roman"/>
+              </a:rPr>
+              <a:t> </a:t>
+            </a:r>
+            <a:r>
+              <a:rPr lang="en-US" dirty="0" err="1">
+                <a:latin typeface="Times New Roman"/>
+                <a:ea typeface="Times New Roman"/>
+                <a:cs typeface="Times New Roman"/>
+                <a:sym typeface="Times New Roman"/>
+              </a:rPr>
+              <a:t>kỹ</a:t>
+            </a:r>
+            <a:r>
+              <a:rPr lang="en-US" dirty="0">
+                <a:latin typeface="Times New Roman"/>
+                <a:ea typeface="Times New Roman"/>
+                <a:cs typeface="Times New Roman"/>
+                <a:sym typeface="Times New Roman"/>
+              </a:rPr>
+              <a:t> </a:t>
+            </a:r>
+            <a:r>
+              <a:rPr lang="en-US" dirty="0" err="1">
+                <a:latin typeface="Times New Roman"/>
+                <a:ea typeface="Times New Roman"/>
+                <a:cs typeface="Times New Roman"/>
+                <a:sym typeface="Times New Roman"/>
+              </a:rPr>
+              <a:t>thuật</a:t>
+            </a:r>
+            <a:r>
+              <a:rPr lang="en-US" dirty="0">
+                <a:latin typeface="Times New Roman"/>
+                <a:ea typeface="Times New Roman"/>
+                <a:cs typeface="Times New Roman"/>
+                <a:sym typeface="Times New Roman"/>
+              </a:rPr>
+              <a:t> </a:t>
+            </a:r>
+            <a:r>
+              <a:rPr lang="en-US" dirty="0" err="1">
+                <a:latin typeface="Times New Roman"/>
+                <a:ea typeface="Times New Roman"/>
+                <a:cs typeface="Times New Roman"/>
+                <a:sym typeface="Times New Roman"/>
+              </a:rPr>
+              <a:t>phát</a:t>
+            </a:r>
+            <a:r>
+              <a:rPr lang="en-US" dirty="0">
+                <a:latin typeface="Times New Roman"/>
+                <a:ea typeface="Times New Roman"/>
+                <a:cs typeface="Times New Roman"/>
+                <a:sym typeface="Times New Roman"/>
+              </a:rPr>
+              <a:t> </a:t>
+            </a:r>
+            <a:r>
+              <a:rPr lang="en-US" dirty="0" err="1">
+                <a:latin typeface="Times New Roman"/>
+                <a:ea typeface="Times New Roman"/>
+                <a:cs typeface="Times New Roman"/>
+                <a:sym typeface="Times New Roman"/>
+              </a:rPr>
+              <a:t>triển</a:t>
+            </a:r>
+            <a:r>
+              <a:rPr lang="en-US" dirty="0">
+                <a:latin typeface="Times New Roman"/>
+                <a:ea typeface="Times New Roman"/>
+                <a:cs typeface="Times New Roman"/>
+                <a:sym typeface="Times New Roman"/>
+              </a:rPr>
+              <a:t> </a:t>
+            </a:r>
+            <a:r>
+              <a:rPr lang="en-US" dirty="0" err="1">
+                <a:latin typeface="Times New Roman"/>
+                <a:ea typeface="Times New Roman"/>
+                <a:cs typeface="Times New Roman"/>
+                <a:sym typeface="Times New Roman"/>
+              </a:rPr>
+              <a:t>và</a:t>
+            </a:r>
+            <a:r>
+              <a:rPr lang="en-US" dirty="0">
+                <a:latin typeface="Times New Roman"/>
+                <a:ea typeface="Times New Roman"/>
+                <a:cs typeface="Times New Roman"/>
+                <a:sym typeface="Times New Roman"/>
+              </a:rPr>
+              <a:t> </a:t>
+            </a:r>
+            <a:r>
+              <a:rPr lang="en-US" dirty="0" err="1">
+                <a:latin typeface="Times New Roman"/>
+                <a:ea typeface="Times New Roman"/>
+                <a:cs typeface="Times New Roman"/>
+                <a:sym typeface="Times New Roman"/>
+              </a:rPr>
+              <a:t>kiểm</a:t>
+            </a:r>
+            <a:r>
+              <a:rPr lang="en-US" dirty="0">
+                <a:latin typeface="Times New Roman"/>
+                <a:ea typeface="Times New Roman"/>
+                <a:cs typeface="Times New Roman"/>
+                <a:sym typeface="Times New Roman"/>
+              </a:rPr>
+              <a:t> </a:t>
+            </a:r>
+            <a:r>
+              <a:rPr lang="en-US" dirty="0" err="1">
+                <a:latin typeface="Times New Roman"/>
+                <a:ea typeface="Times New Roman"/>
+                <a:cs typeface="Times New Roman"/>
+                <a:sym typeface="Times New Roman"/>
+              </a:rPr>
+              <a:t>thử</a:t>
+            </a:r>
+            <a:r>
+              <a:rPr lang="en-US" dirty="0">
+                <a:latin typeface="Times New Roman"/>
+                <a:ea typeface="Times New Roman"/>
+                <a:cs typeface="Times New Roman"/>
+                <a:sym typeface="Times New Roman"/>
+              </a:rPr>
+              <a:t> </a:t>
+            </a:r>
+            <a:r>
+              <a:rPr lang="en-US" dirty="0" err="1">
+                <a:latin typeface="Times New Roman"/>
+                <a:ea typeface="Times New Roman"/>
+                <a:cs typeface="Times New Roman"/>
+                <a:sym typeface="Times New Roman"/>
+              </a:rPr>
+              <a:t>phần</a:t>
+            </a:r>
+            <a:r>
+              <a:rPr lang="en-US" dirty="0">
+                <a:latin typeface="Times New Roman"/>
+                <a:ea typeface="Times New Roman"/>
+                <a:cs typeface="Times New Roman"/>
+                <a:sym typeface="Times New Roman"/>
+              </a:rPr>
+              <a:t> </a:t>
+            </a:r>
+            <a:r>
+              <a:rPr lang="en-US" dirty="0" err="1">
+                <a:latin typeface="Times New Roman"/>
+                <a:ea typeface="Times New Roman"/>
+                <a:cs typeface="Times New Roman"/>
+                <a:sym typeface="Times New Roman"/>
+              </a:rPr>
+              <a:t>mềm</a:t>
+            </a:r>
+            <a:endParaRPr dirty="0">
               <a:latin typeface="Times New Roman"/>
               <a:ea typeface="Times New Roman"/>
               <a:cs typeface="Times New Roman"/>
@@ -17845,73 +18327,411 @@
               <a:buChar char="•"/>
             </a:pPr>
             <a:r>
-              <a:rPr lang="en-US">
-                <a:latin typeface="Times New Roman"/>
-                <a:ea typeface="Times New Roman"/>
-                <a:cs typeface="Times New Roman"/>
-                <a:sym typeface="Times New Roman"/>
-              </a:rPr>
-              <a:t>Hiểu được nghiệp vụ, vấn đề của bài toán tư vấn học tập để áp dụng vào dự báo kết quả học tập</a:t>
-            </a:r>
-            <a:endParaRPr>
-              <a:latin typeface="Times New Roman"/>
-              <a:ea typeface="Times New Roman"/>
-              <a:cs typeface="Times New Roman"/>
-              <a:sym typeface="Times New Roman"/>
-            </a:endParaRPr>
-          </a:p>
-          <a:p>
-            <a:pPr marL="342900" lvl="0" indent="-342900" algn="l" rtl="0">
-              <a:lnSpc>
-                <a:spcPct val="90000"/>
-              </a:lnSpc>
-              <a:spcBef>
-                <a:spcPts val="1000"/>
-              </a:spcBef>
-              <a:spcAft>
-                <a:spcPts val="0"/>
-              </a:spcAft>
-              <a:buClr>
-                <a:schemeClr val="dk1"/>
-              </a:buClr>
-              <a:buSzPts val="2400"/>
-              <a:buFont typeface="Arial"/>
-              <a:buChar char="•"/>
-            </a:pPr>
-            <a:r>
-              <a:rPr lang="en-US">
-                <a:latin typeface="Times New Roman"/>
-                <a:ea typeface="Times New Roman"/>
-                <a:cs typeface="Times New Roman"/>
-                <a:sym typeface="Times New Roman"/>
-              </a:rPr>
-              <a:t>Các kỹ năng mềm và khả năng khác</a:t>
-            </a:r>
-            <a:endParaRPr>
-              <a:latin typeface="Times New Roman"/>
-              <a:ea typeface="Times New Roman"/>
-              <a:cs typeface="Times New Roman"/>
-              <a:sym typeface="Times New Roman"/>
-            </a:endParaRPr>
-          </a:p>
-          <a:p>
-            <a:pPr marL="0" lvl="0" indent="0" algn="l" rtl="0">
-              <a:lnSpc>
-                <a:spcPct val="90000"/>
-              </a:lnSpc>
-              <a:spcBef>
-                <a:spcPts val="1000"/>
-              </a:spcBef>
-              <a:spcAft>
-                <a:spcPts val="0"/>
-              </a:spcAft>
-              <a:buClr>
-                <a:schemeClr val="dk1"/>
-              </a:buClr>
-              <a:buSzPts val="2400"/>
-              <a:buNone/>
-            </a:pPr>
-            <a:endParaRPr>
+              <a:rPr lang="en-US" dirty="0" err="1">
+                <a:latin typeface="Times New Roman"/>
+                <a:ea typeface="Times New Roman"/>
+                <a:cs typeface="Times New Roman"/>
+                <a:sym typeface="Times New Roman"/>
+              </a:rPr>
+              <a:t>Hiểu</a:t>
+            </a:r>
+            <a:r>
+              <a:rPr lang="en-US" dirty="0">
+                <a:latin typeface="Times New Roman"/>
+                <a:ea typeface="Times New Roman"/>
+                <a:cs typeface="Times New Roman"/>
+                <a:sym typeface="Times New Roman"/>
+              </a:rPr>
+              <a:t> </a:t>
+            </a:r>
+            <a:r>
+              <a:rPr lang="en-US" dirty="0" err="1">
+                <a:latin typeface="Times New Roman"/>
+                <a:ea typeface="Times New Roman"/>
+                <a:cs typeface="Times New Roman"/>
+                <a:sym typeface="Times New Roman"/>
+              </a:rPr>
+              <a:t>được</a:t>
+            </a:r>
+            <a:r>
+              <a:rPr lang="en-US" dirty="0">
+                <a:latin typeface="Times New Roman"/>
+                <a:ea typeface="Times New Roman"/>
+                <a:cs typeface="Times New Roman"/>
+                <a:sym typeface="Times New Roman"/>
+              </a:rPr>
+              <a:t> </a:t>
+            </a:r>
+            <a:r>
+              <a:rPr lang="en-US" dirty="0" err="1">
+                <a:latin typeface="Times New Roman"/>
+                <a:ea typeface="Times New Roman"/>
+                <a:cs typeface="Times New Roman"/>
+                <a:sym typeface="Times New Roman"/>
+              </a:rPr>
+              <a:t>nghiệp</a:t>
+            </a:r>
+            <a:r>
+              <a:rPr lang="en-US" dirty="0">
+                <a:latin typeface="Times New Roman"/>
+                <a:ea typeface="Times New Roman"/>
+                <a:cs typeface="Times New Roman"/>
+                <a:sym typeface="Times New Roman"/>
+              </a:rPr>
+              <a:t> </a:t>
+            </a:r>
+            <a:r>
+              <a:rPr lang="en-US" dirty="0" err="1">
+                <a:latin typeface="Times New Roman"/>
+                <a:ea typeface="Times New Roman"/>
+                <a:cs typeface="Times New Roman"/>
+                <a:sym typeface="Times New Roman"/>
+              </a:rPr>
+              <a:t>vụ</a:t>
+            </a:r>
+            <a:r>
+              <a:rPr lang="en-US" dirty="0">
+                <a:latin typeface="Times New Roman"/>
+                <a:ea typeface="Times New Roman"/>
+                <a:cs typeface="Times New Roman"/>
+                <a:sym typeface="Times New Roman"/>
+              </a:rPr>
+              <a:t>, </a:t>
+            </a:r>
+            <a:r>
+              <a:rPr lang="en-US" dirty="0" err="1">
+                <a:latin typeface="Times New Roman"/>
+                <a:ea typeface="Times New Roman"/>
+                <a:cs typeface="Times New Roman"/>
+                <a:sym typeface="Times New Roman"/>
+              </a:rPr>
+              <a:t>vấn</a:t>
+            </a:r>
+            <a:r>
+              <a:rPr lang="en-US" dirty="0">
+                <a:latin typeface="Times New Roman"/>
+                <a:ea typeface="Times New Roman"/>
+                <a:cs typeface="Times New Roman"/>
+                <a:sym typeface="Times New Roman"/>
+              </a:rPr>
+              <a:t> </a:t>
+            </a:r>
+            <a:r>
+              <a:rPr lang="en-US" dirty="0" err="1">
+                <a:latin typeface="Times New Roman"/>
+                <a:ea typeface="Times New Roman"/>
+                <a:cs typeface="Times New Roman"/>
+                <a:sym typeface="Times New Roman"/>
+              </a:rPr>
+              <a:t>đề</a:t>
+            </a:r>
+            <a:r>
+              <a:rPr lang="en-US" dirty="0">
+                <a:latin typeface="Times New Roman"/>
+                <a:ea typeface="Times New Roman"/>
+                <a:cs typeface="Times New Roman"/>
+                <a:sym typeface="Times New Roman"/>
+              </a:rPr>
+              <a:t> </a:t>
+            </a:r>
+            <a:r>
+              <a:rPr lang="en-US" dirty="0" err="1">
+                <a:latin typeface="Times New Roman"/>
+                <a:ea typeface="Times New Roman"/>
+                <a:cs typeface="Times New Roman"/>
+                <a:sym typeface="Times New Roman"/>
+              </a:rPr>
+              <a:t>của</a:t>
+            </a:r>
+            <a:r>
+              <a:rPr lang="en-US" dirty="0">
+                <a:latin typeface="Times New Roman"/>
+                <a:ea typeface="Times New Roman"/>
+                <a:cs typeface="Times New Roman"/>
+                <a:sym typeface="Times New Roman"/>
+              </a:rPr>
+              <a:t> </a:t>
+            </a:r>
+            <a:r>
+              <a:rPr lang="en-US" dirty="0" err="1">
+                <a:latin typeface="Times New Roman"/>
+                <a:ea typeface="Times New Roman"/>
+                <a:cs typeface="Times New Roman"/>
+                <a:sym typeface="Times New Roman"/>
+              </a:rPr>
+              <a:t>bài</a:t>
+            </a:r>
+            <a:r>
+              <a:rPr lang="en-US" dirty="0">
+                <a:latin typeface="Times New Roman"/>
+                <a:ea typeface="Times New Roman"/>
+                <a:cs typeface="Times New Roman"/>
+                <a:sym typeface="Times New Roman"/>
+              </a:rPr>
+              <a:t> </a:t>
+            </a:r>
+            <a:r>
+              <a:rPr lang="en-US" dirty="0" err="1">
+                <a:latin typeface="Times New Roman"/>
+                <a:ea typeface="Times New Roman"/>
+                <a:cs typeface="Times New Roman"/>
+                <a:sym typeface="Times New Roman"/>
+              </a:rPr>
+              <a:t>toán</a:t>
+            </a:r>
+            <a:r>
+              <a:rPr lang="en-US" dirty="0">
+                <a:latin typeface="Times New Roman"/>
+                <a:ea typeface="Times New Roman"/>
+                <a:cs typeface="Times New Roman"/>
+                <a:sym typeface="Times New Roman"/>
+              </a:rPr>
+              <a:t> </a:t>
+            </a:r>
+            <a:r>
+              <a:rPr lang="en-US" dirty="0" err="1">
+                <a:latin typeface="Times New Roman"/>
+                <a:ea typeface="Times New Roman"/>
+                <a:cs typeface="Times New Roman"/>
+                <a:sym typeface="Times New Roman"/>
+              </a:rPr>
+              <a:t>tư</a:t>
+            </a:r>
+            <a:r>
+              <a:rPr lang="en-US" dirty="0">
+                <a:latin typeface="Times New Roman"/>
+                <a:ea typeface="Times New Roman"/>
+                <a:cs typeface="Times New Roman"/>
+                <a:sym typeface="Times New Roman"/>
+              </a:rPr>
+              <a:t> </a:t>
+            </a:r>
+            <a:r>
+              <a:rPr lang="en-US" dirty="0" err="1">
+                <a:latin typeface="Times New Roman"/>
+                <a:ea typeface="Times New Roman"/>
+                <a:cs typeface="Times New Roman"/>
+                <a:sym typeface="Times New Roman"/>
+              </a:rPr>
+              <a:t>vấn</a:t>
+            </a:r>
+            <a:r>
+              <a:rPr lang="en-US" dirty="0">
+                <a:latin typeface="Times New Roman"/>
+                <a:ea typeface="Times New Roman"/>
+                <a:cs typeface="Times New Roman"/>
+                <a:sym typeface="Times New Roman"/>
+              </a:rPr>
+              <a:t> </a:t>
+            </a:r>
+            <a:r>
+              <a:rPr lang="en-US" dirty="0" err="1">
+                <a:latin typeface="Times New Roman"/>
+                <a:ea typeface="Times New Roman"/>
+                <a:cs typeface="Times New Roman"/>
+                <a:sym typeface="Times New Roman"/>
+              </a:rPr>
+              <a:t>học</a:t>
+            </a:r>
+            <a:r>
+              <a:rPr lang="en-US" dirty="0">
+                <a:latin typeface="Times New Roman"/>
+                <a:ea typeface="Times New Roman"/>
+                <a:cs typeface="Times New Roman"/>
+                <a:sym typeface="Times New Roman"/>
+              </a:rPr>
+              <a:t> </a:t>
+            </a:r>
+            <a:r>
+              <a:rPr lang="en-US" dirty="0" err="1">
+                <a:latin typeface="Times New Roman"/>
+                <a:ea typeface="Times New Roman"/>
+                <a:cs typeface="Times New Roman"/>
+                <a:sym typeface="Times New Roman"/>
+              </a:rPr>
+              <a:t>tập</a:t>
+            </a:r>
+            <a:r>
+              <a:rPr lang="en-US" dirty="0">
+                <a:latin typeface="Times New Roman"/>
+                <a:ea typeface="Times New Roman"/>
+                <a:cs typeface="Times New Roman"/>
+                <a:sym typeface="Times New Roman"/>
+              </a:rPr>
+              <a:t> </a:t>
+            </a:r>
+            <a:r>
+              <a:rPr lang="en-US" dirty="0" err="1">
+                <a:latin typeface="Times New Roman"/>
+                <a:ea typeface="Times New Roman"/>
+                <a:cs typeface="Times New Roman"/>
+                <a:sym typeface="Times New Roman"/>
+              </a:rPr>
+              <a:t>để</a:t>
+            </a:r>
+            <a:r>
+              <a:rPr lang="en-US" dirty="0">
+                <a:latin typeface="Times New Roman"/>
+                <a:ea typeface="Times New Roman"/>
+                <a:cs typeface="Times New Roman"/>
+                <a:sym typeface="Times New Roman"/>
+              </a:rPr>
+              <a:t> </a:t>
+            </a:r>
+            <a:r>
+              <a:rPr lang="en-US" dirty="0" err="1">
+                <a:latin typeface="Times New Roman"/>
+                <a:ea typeface="Times New Roman"/>
+                <a:cs typeface="Times New Roman"/>
+                <a:sym typeface="Times New Roman"/>
+              </a:rPr>
+              <a:t>áp</a:t>
+            </a:r>
+            <a:r>
+              <a:rPr lang="en-US" dirty="0">
+                <a:latin typeface="Times New Roman"/>
+                <a:ea typeface="Times New Roman"/>
+                <a:cs typeface="Times New Roman"/>
+                <a:sym typeface="Times New Roman"/>
+              </a:rPr>
+              <a:t> </a:t>
+            </a:r>
+            <a:r>
+              <a:rPr lang="en-US" dirty="0" err="1">
+                <a:latin typeface="Times New Roman"/>
+                <a:ea typeface="Times New Roman"/>
+                <a:cs typeface="Times New Roman"/>
+                <a:sym typeface="Times New Roman"/>
+              </a:rPr>
+              <a:t>dụng</a:t>
+            </a:r>
+            <a:r>
+              <a:rPr lang="en-US" dirty="0">
+                <a:latin typeface="Times New Roman"/>
+                <a:ea typeface="Times New Roman"/>
+                <a:cs typeface="Times New Roman"/>
+                <a:sym typeface="Times New Roman"/>
+              </a:rPr>
+              <a:t> </a:t>
+            </a:r>
+            <a:r>
+              <a:rPr lang="en-US" dirty="0" err="1">
+                <a:latin typeface="Times New Roman"/>
+                <a:ea typeface="Times New Roman"/>
+                <a:cs typeface="Times New Roman"/>
+                <a:sym typeface="Times New Roman"/>
+              </a:rPr>
+              <a:t>vào</a:t>
+            </a:r>
+            <a:r>
+              <a:rPr lang="en-US" dirty="0">
+                <a:latin typeface="Times New Roman"/>
+                <a:ea typeface="Times New Roman"/>
+                <a:cs typeface="Times New Roman"/>
+                <a:sym typeface="Times New Roman"/>
+              </a:rPr>
+              <a:t> </a:t>
+            </a:r>
+            <a:r>
+              <a:rPr lang="en-US" dirty="0" err="1">
+                <a:latin typeface="Times New Roman"/>
+                <a:ea typeface="Times New Roman"/>
+                <a:cs typeface="Times New Roman"/>
+                <a:sym typeface="Times New Roman"/>
+              </a:rPr>
+              <a:t>dự</a:t>
+            </a:r>
+            <a:r>
+              <a:rPr lang="en-US" dirty="0">
+                <a:latin typeface="Times New Roman"/>
+                <a:ea typeface="Times New Roman"/>
+                <a:cs typeface="Times New Roman"/>
+                <a:sym typeface="Times New Roman"/>
+              </a:rPr>
+              <a:t> </a:t>
+            </a:r>
+            <a:r>
+              <a:rPr lang="en-US" dirty="0" err="1">
+                <a:latin typeface="Times New Roman"/>
+                <a:ea typeface="Times New Roman"/>
+                <a:cs typeface="Times New Roman"/>
+                <a:sym typeface="Times New Roman"/>
+              </a:rPr>
+              <a:t>báo</a:t>
+            </a:r>
+            <a:r>
+              <a:rPr lang="en-US" dirty="0">
+                <a:latin typeface="Times New Roman"/>
+                <a:ea typeface="Times New Roman"/>
+                <a:cs typeface="Times New Roman"/>
+                <a:sym typeface="Times New Roman"/>
+              </a:rPr>
+              <a:t> </a:t>
+            </a:r>
+            <a:r>
+              <a:rPr lang="en-US" dirty="0" err="1">
+                <a:latin typeface="Times New Roman"/>
+                <a:ea typeface="Times New Roman"/>
+                <a:cs typeface="Times New Roman"/>
+                <a:sym typeface="Times New Roman"/>
+              </a:rPr>
+              <a:t>kết</a:t>
+            </a:r>
+            <a:r>
+              <a:rPr lang="en-US" dirty="0">
+                <a:latin typeface="Times New Roman"/>
+                <a:ea typeface="Times New Roman"/>
+                <a:cs typeface="Times New Roman"/>
+                <a:sym typeface="Times New Roman"/>
+              </a:rPr>
+              <a:t> </a:t>
+            </a:r>
+            <a:r>
+              <a:rPr lang="en-US" dirty="0" err="1">
+                <a:latin typeface="Times New Roman"/>
+                <a:ea typeface="Times New Roman"/>
+                <a:cs typeface="Times New Roman"/>
+                <a:sym typeface="Times New Roman"/>
+              </a:rPr>
+              <a:t>quả</a:t>
+            </a:r>
+            <a:r>
+              <a:rPr lang="en-US" dirty="0">
+                <a:latin typeface="Times New Roman"/>
+                <a:ea typeface="Times New Roman"/>
+                <a:cs typeface="Times New Roman"/>
+                <a:sym typeface="Times New Roman"/>
+              </a:rPr>
+              <a:t> </a:t>
+            </a:r>
+            <a:r>
+              <a:rPr lang="en-US" dirty="0" err="1">
+                <a:latin typeface="Times New Roman"/>
+                <a:ea typeface="Times New Roman"/>
+                <a:cs typeface="Times New Roman"/>
+                <a:sym typeface="Times New Roman"/>
+              </a:rPr>
+              <a:t>học</a:t>
+            </a:r>
+            <a:r>
+              <a:rPr lang="en-US" dirty="0">
+                <a:latin typeface="Times New Roman"/>
+                <a:ea typeface="Times New Roman"/>
+                <a:cs typeface="Times New Roman"/>
+                <a:sym typeface="Times New Roman"/>
+              </a:rPr>
+              <a:t> </a:t>
+            </a:r>
+            <a:r>
+              <a:rPr lang="en-US" dirty="0" err="1">
+                <a:latin typeface="Times New Roman"/>
+                <a:ea typeface="Times New Roman"/>
+                <a:cs typeface="Times New Roman"/>
+                <a:sym typeface="Times New Roman"/>
+              </a:rPr>
+              <a:t>tập</a:t>
+            </a:r>
+            <a:endParaRPr dirty="0">
               <a:latin typeface="Times New Roman"/>
               <a:ea typeface="Times New Roman"/>
               <a:cs typeface="Times New Roman"/>
@@ -18029,6 +18849,391 @@
               <a:t>23</a:t>
             </a:fld>
             <a:endParaRPr/>
+          </a:p>
+        </p:txBody>
+      </p:sp>
+      <p:sp>
+        <p:nvSpPr>
+          <p:cNvPr id="5" name="Google Shape;271;p36">
+            <a:extLst>
+              <a:ext uri="{FF2B5EF4-FFF2-40B4-BE49-F238E27FC236}">
+                <a16:creationId xmlns:a16="http://schemas.microsoft.com/office/drawing/2014/main" id="{6B904405-2BBD-43C5-9DDA-5AA45D999C07}"/>
+              </a:ext>
+            </a:extLst>
+          </p:cNvPr>
+          <p:cNvSpPr txBox="1">
+            <a:spLocks/>
+          </p:cNvSpPr>
+          <p:nvPr/>
+        </p:nvSpPr>
+        <p:spPr>
+          <a:xfrm>
+            <a:off x="1346446" y="3100479"/>
+            <a:ext cx="10070237" cy="3029552"/>
+          </a:xfrm>
+          <a:prstGeom prst="rect">
+            <a:avLst/>
+          </a:prstGeom>
+          <a:noFill/>
+          <a:ln>
+            <a:noFill/>
+          </a:ln>
+        </p:spPr>
+        <p:txBody>
+          <a:bodyPr spcFirstLastPara="1" wrap="square" lIns="91425" tIns="45700" rIns="91425" bIns="45700" anchor="t" anchorCtr="0">
+            <a:normAutofit/>
+          </a:bodyPr>
+          <a:lstStyle>
+            <a:defPPr marR="0" lvl="0" algn="l" rtl="0">
+              <a:lnSpc>
+                <a:spcPct val="100000"/>
+              </a:lnSpc>
+              <a:spcBef>
+                <a:spcPts val="0"/>
+              </a:spcBef>
+              <a:spcAft>
+                <a:spcPts val="0"/>
+              </a:spcAft>
+            </a:defPPr>
+            <a:lvl1pPr marL="457200" marR="0" lvl="0" indent="-406400" algn="ctr" rtl="0">
+              <a:lnSpc>
+                <a:spcPct val="90000"/>
+              </a:lnSpc>
+              <a:spcBef>
+                <a:spcPts val="1000"/>
+              </a:spcBef>
+              <a:spcAft>
+                <a:spcPts val="0"/>
+              </a:spcAft>
+              <a:buClr>
+                <a:schemeClr val="dk1"/>
+              </a:buClr>
+              <a:buSzPts val="2400"/>
+              <a:buFont typeface="Arial"/>
+              <a:buNone/>
+              <a:defRPr sz="2400" b="0" i="0" u="none" strike="noStrike" cap="none">
+                <a:solidFill>
+                  <a:schemeClr val="dk1"/>
+                </a:solidFill>
+                <a:latin typeface="Calibri"/>
+                <a:ea typeface="Calibri"/>
+                <a:cs typeface="Calibri"/>
+                <a:sym typeface="Calibri"/>
+              </a:defRPr>
+            </a:lvl1pPr>
+            <a:lvl2pPr marL="914400" marR="0" lvl="1" indent="-381000" algn="ctr" rtl="0">
+              <a:lnSpc>
+                <a:spcPct val="90000"/>
+              </a:lnSpc>
+              <a:spcBef>
+                <a:spcPts val="500"/>
+              </a:spcBef>
+              <a:spcAft>
+                <a:spcPts val="0"/>
+              </a:spcAft>
+              <a:buClr>
+                <a:schemeClr val="dk1"/>
+              </a:buClr>
+              <a:buSzPts val="2000"/>
+              <a:buFont typeface="Arial"/>
+              <a:buNone/>
+              <a:defRPr sz="2000" b="0" i="0" u="none" strike="noStrike" cap="none">
+                <a:solidFill>
+                  <a:schemeClr val="dk1"/>
+                </a:solidFill>
+                <a:latin typeface="Calibri"/>
+                <a:ea typeface="Calibri"/>
+                <a:cs typeface="Calibri"/>
+                <a:sym typeface="Calibri"/>
+              </a:defRPr>
+            </a:lvl2pPr>
+            <a:lvl3pPr marL="1371600" marR="0" lvl="2" indent="-355600" algn="ctr" rtl="0">
+              <a:lnSpc>
+                <a:spcPct val="90000"/>
+              </a:lnSpc>
+              <a:spcBef>
+                <a:spcPts val="500"/>
+              </a:spcBef>
+              <a:spcAft>
+                <a:spcPts val="0"/>
+              </a:spcAft>
+              <a:buClr>
+                <a:schemeClr val="dk1"/>
+              </a:buClr>
+              <a:buSzPts val="1800"/>
+              <a:buFont typeface="Arial"/>
+              <a:buNone/>
+              <a:defRPr sz="1800" b="0" i="0" u="none" strike="noStrike" cap="none">
+                <a:solidFill>
+                  <a:schemeClr val="dk1"/>
+                </a:solidFill>
+                <a:latin typeface="Calibri"/>
+                <a:ea typeface="Calibri"/>
+                <a:cs typeface="Calibri"/>
+                <a:sym typeface="Calibri"/>
+              </a:defRPr>
+            </a:lvl3pPr>
+            <a:lvl4pPr marL="1828800" marR="0" lvl="3" indent="-342900" algn="ctr" rtl="0">
+              <a:lnSpc>
+                <a:spcPct val="90000"/>
+              </a:lnSpc>
+              <a:spcBef>
+                <a:spcPts val="500"/>
+              </a:spcBef>
+              <a:spcAft>
+                <a:spcPts val="0"/>
+              </a:spcAft>
+              <a:buClr>
+                <a:schemeClr val="dk1"/>
+              </a:buClr>
+              <a:buSzPts val="1600"/>
+              <a:buFont typeface="Arial"/>
+              <a:buNone/>
+              <a:defRPr sz="1600" b="0" i="0" u="none" strike="noStrike" cap="none">
+                <a:solidFill>
+                  <a:schemeClr val="dk1"/>
+                </a:solidFill>
+                <a:latin typeface="Calibri"/>
+                <a:ea typeface="Calibri"/>
+                <a:cs typeface="Calibri"/>
+                <a:sym typeface="Calibri"/>
+              </a:defRPr>
+            </a:lvl4pPr>
+            <a:lvl5pPr marL="2286000" marR="0" lvl="4" indent="-342900" algn="ctr" rtl="0">
+              <a:lnSpc>
+                <a:spcPct val="90000"/>
+              </a:lnSpc>
+              <a:spcBef>
+                <a:spcPts val="500"/>
+              </a:spcBef>
+              <a:spcAft>
+                <a:spcPts val="0"/>
+              </a:spcAft>
+              <a:buClr>
+                <a:schemeClr val="dk1"/>
+              </a:buClr>
+              <a:buSzPts val="1600"/>
+              <a:buFont typeface="Arial"/>
+              <a:buNone/>
+              <a:defRPr sz="1600" b="0" i="0" u="none" strike="noStrike" cap="none">
+                <a:solidFill>
+                  <a:schemeClr val="dk1"/>
+                </a:solidFill>
+                <a:latin typeface="Calibri"/>
+                <a:ea typeface="Calibri"/>
+                <a:cs typeface="Calibri"/>
+                <a:sym typeface="Calibri"/>
+              </a:defRPr>
+            </a:lvl5pPr>
+            <a:lvl6pPr marL="2743200" marR="0" lvl="5" indent="-342900" algn="ctr" rtl="0">
+              <a:lnSpc>
+                <a:spcPct val="90000"/>
+              </a:lnSpc>
+              <a:spcBef>
+                <a:spcPts val="500"/>
+              </a:spcBef>
+              <a:spcAft>
+                <a:spcPts val="0"/>
+              </a:spcAft>
+              <a:buClr>
+                <a:schemeClr val="dk1"/>
+              </a:buClr>
+              <a:buSzPts val="1600"/>
+              <a:buFont typeface="Arial"/>
+              <a:buNone/>
+              <a:defRPr sz="1600" b="0" i="0" u="none" strike="noStrike" cap="none">
+                <a:solidFill>
+                  <a:schemeClr val="dk1"/>
+                </a:solidFill>
+                <a:latin typeface="Calibri"/>
+                <a:ea typeface="Calibri"/>
+                <a:cs typeface="Calibri"/>
+                <a:sym typeface="Calibri"/>
+              </a:defRPr>
+            </a:lvl6pPr>
+            <a:lvl7pPr marL="3200400" marR="0" lvl="6" indent="-342900" algn="ctr" rtl="0">
+              <a:lnSpc>
+                <a:spcPct val="90000"/>
+              </a:lnSpc>
+              <a:spcBef>
+                <a:spcPts val="500"/>
+              </a:spcBef>
+              <a:spcAft>
+                <a:spcPts val="0"/>
+              </a:spcAft>
+              <a:buClr>
+                <a:schemeClr val="dk1"/>
+              </a:buClr>
+              <a:buSzPts val="1600"/>
+              <a:buFont typeface="Arial"/>
+              <a:buNone/>
+              <a:defRPr sz="1600" b="0" i="0" u="none" strike="noStrike" cap="none">
+                <a:solidFill>
+                  <a:schemeClr val="dk1"/>
+                </a:solidFill>
+                <a:latin typeface="Calibri"/>
+                <a:ea typeface="Calibri"/>
+                <a:cs typeface="Calibri"/>
+                <a:sym typeface="Calibri"/>
+              </a:defRPr>
+            </a:lvl7pPr>
+            <a:lvl8pPr marL="3657600" marR="0" lvl="7" indent="-342900" algn="ctr" rtl="0">
+              <a:lnSpc>
+                <a:spcPct val="90000"/>
+              </a:lnSpc>
+              <a:spcBef>
+                <a:spcPts val="500"/>
+              </a:spcBef>
+              <a:spcAft>
+                <a:spcPts val="0"/>
+              </a:spcAft>
+              <a:buClr>
+                <a:schemeClr val="dk1"/>
+              </a:buClr>
+              <a:buSzPts val="1600"/>
+              <a:buFont typeface="Arial"/>
+              <a:buNone/>
+              <a:defRPr sz="1600" b="0" i="0" u="none" strike="noStrike" cap="none">
+                <a:solidFill>
+                  <a:schemeClr val="dk1"/>
+                </a:solidFill>
+                <a:latin typeface="Calibri"/>
+                <a:ea typeface="Calibri"/>
+                <a:cs typeface="Calibri"/>
+                <a:sym typeface="Calibri"/>
+              </a:defRPr>
+            </a:lvl8pPr>
+            <a:lvl9pPr marL="4114800" marR="0" lvl="8" indent="-342900" algn="ctr" rtl="0">
+              <a:lnSpc>
+                <a:spcPct val="90000"/>
+              </a:lnSpc>
+              <a:spcBef>
+                <a:spcPts val="500"/>
+              </a:spcBef>
+              <a:spcAft>
+                <a:spcPts val="0"/>
+              </a:spcAft>
+              <a:buClr>
+                <a:schemeClr val="dk1"/>
+              </a:buClr>
+              <a:buSzPts val="1600"/>
+              <a:buFont typeface="Arial"/>
+              <a:buNone/>
+              <a:defRPr sz="1600" b="0" i="0" u="none" strike="noStrike" cap="none">
+                <a:solidFill>
+                  <a:schemeClr val="dk1"/>
+                </a:solidFill>
+                <a:latin typeface="Calibri"/>
+                <a:ea typeface="Calibri"/>
+                <a:cs typeface="Calibri"/>
+                <a:sym typeface="Calibri"/>
+              </a:defRPr>
+            </a:lvl9pPr>
+          </a:lstStyle>
+          <a:p>
+            <a:pPr marL="0" indent="0" algn="l">
+              <a:spcBef>
+                <a:spcPts val="0"/>
+              </a:spcBef>
+              <a:buSzPts val="2800"/>
+            </a:pPr>
+            <a:r>
+              <a:rPr lang="vi-VN" sz="2800" b="1" dirty="0">
+                <a:latin typeface="Times New Roman"/>
+                <a:ea typeface="Times New Roman"/>
+                <a:cs typeface="Times New Roman"/>
+                <a:sym typeface="Times New Roman"/>
+              </a:rPr>
+              <a:t>Sản phẩm</a:t>
+            </a:r>
+          </a:p>
+          <a:p>
+            <a:pPr marL="342900" indent="-342900" algn="l">
+              <a:buFont typeface="Arial"/>
+              <a:buChar char="•"/>
+            </a:pPr>
+            <a:r>
+              <a:rPr lang="vi-VN" dirty="0">
+                <a:latin typeface="Times New Roman"/>
+                <a:ea typeface="Times New Roman"/>
+                <a:cs typeface="Times New Roman"/>
+                <a:sym typeface="Times New Roman"/>
+              </a:rPr>
+              <a:t>Phiên bản 1 đã hoàn thiện các tính năng giải quyết bài toán đã đề ra</a:t>
+            </a:r>
+          </a:p>
+          <a:p>
+            <a:pPr marL="342900" indent="-342900" algn="l">
+              <a:buFont typeface="Times New Roman"/>
+              <a:buChar char="•"/>
+            </a:pPr>
+            <a:r>
+              <a:rPr lang="vi-VN" dirty="0">
+                <a:latin typeface="Times New Roman"/>
+                <a:ea typeface="Times New Roman"/>
+                <a:cs typeface="Times New Roman"/>
+                <a:sym typeface="Times New Roman"/>
+              </a:rPr>
+              <a:t>Tại phiên bản 1 đã tích hợp được dữ liệu điểm của K60</a:t>
+            </a:r>
+            <a:r>
+              <a:rPr lang="en-US" dirty="0">
+                <a:latin typeface="Times New Roman"/>
+                <a:ea typeface="Times New Roman"/>
+                <a:cs typeface="Times New Roman"/>
+                <a:sym typeface="Times New Roman"/>
+              </a:rPr>
+              <a:t> </a:t>
+            </a:r>
+            <a:r>
+              <a:rPr lang="en-US" dirty="0" err="1">
+                <a:latin typeface="Times New Roman"/>
+                <a:ea typeface="Times New Roman"/>
+                <a:cs typeface="Times New Roman"/>
+                <a:sym typeface="Times New Roman"/>
+              </a:rPr>
+              <a:t>đến</a:t>
+            </a:r>
+            <a:r>
+              <a:rPr lang="vi-VN" dirty="0">
+                <a:latin typeface="Times New Roman"/>
+                <a:ea typeface="Times New Roman"/>
+                <a:cs typeface="Times New Roman"/>
+                <a:sym typeface="Times New Roman"/>
+              </a:rPr>
+              <a:t> K6</a:t>
+            </a:r>
+            <a:r>
+              <a:rPr lang="en-US" dirty="0">
+                <a:latin typeface="Times New Roman"/>
+                <a:ea typeface="Times New Roman"/>
+                <a:cs typeface="Times New Roman"/>
+                <a:sym typeface="Times New Roman"/>
+              </a:rPr>
+              <a:t>5</a:t>
+            </a:r>
+            <a:endParaRPr lang="vi-VN" dirty="0">
+              <a:latin typeface="Times New Roman"/>
+              <a:ea typeface="Times New Roman"/>
+              <a:cs typeface="Times New Roman"/>
+              <a:sym typeface="Times New Roman"/>
+            </a:endParaRPr>
+          </a:p>
+          <a:p>
+            <a:pPr marL="342900" indent="-342900" algn="l">
+              <a:buFont typeface="Arial"/>
+              <a:buChar char="•"/>
+            </a:pPr>
+            <a:r>
+              <a:rPr lang="vi-VN" dirty="0">
+                <a:latin typeface="Times New Roman"/>
+                <a:ea typeface="Times New Roman"/>
+                <a:cs typeface="Times New Roman"/>
+                <a:sym typeface="Times New Roman"/>
+              </a:rPr>
+              <a:t>Tài khoản của sinh viên đã bước đầu kết hợp với tài khoản LDAP</a:t>
+            </a:r>
+            <a:endParaRPr lang="vi-VN" dirty="0"/>
           </a:p>
         </p:txBody>
       </p:sp>
@@ -18103,15 +19308,51 @@
               <a:buNone/>
             </a:pPr>
             <a:r>
-              <a:rPr lang="en-US" sz="2800" b="1">
-                <a:latin typeface="Times New Roman"/>
-                <a:ea typeface="Times New Roman"/>
-                <a:cs typeface="Times New Roman"/>
-                <a:sym typeface="Times New Roman"/>
-              </a:rPr>
-              <a:t>Sản phẩm</a:t>
-            </a:r>
-            <a:endParaRPr sz="2800" b="1">
+              <a:rPr lang="en-US" sz="2800" b="1" dirty="0" err="1">
+                <a:latin typeface="Times New Roman"/>
+                <a:ea typeface="Times New Roman"/>
+                <a:cs typeface="Times New Roman"/>
+                <a:sym typeface="Times New Roman"/>
+              </a:rPr>
+              <a:t>Hướng</a:t>
+            </a:r>
+            <a:r>
+              <a:rPr lang="en-US" sz="2800" b="1" dirty="0">
+                <a:latin typeface="Times New Roman"/>
+                <a:ea typeface="Times New Roman"/>
+                <a:cs typeface="Times New Roman"/>
+                <a:sym typeface="Times New Roman"/>
+              </a:rPr>
+              <a:t> </a:t>
+            </a:r>
+            <a:r>
+              <a:rPr lang="en-US" sz="2800" b="1" dirty="0" err="1">
+                <a:latin typeface="Times New Roman"/>
+                <a:ea typeface="Times New Roman"/>
+                <a:cs typeface="Times New Roman"/>
+                <a:sym typeface="Times New Roman"/>
+              </a:rPr>
+              <a:t>phát</a:t>
+            </a:r>
+            <a:r>
+              <a:rPr lang="en-US" sz="2800" b="1" dirty="0">
+                <a:latin typeface="Times New Roman"/>
+                <a:ea typeface="Times New Roman"/>
+                <a:cs typeface="Times New Roman"/>
+                <a:sym typeface="Times New Roman"/>
+              </a:rPr>
+              <a:t> </a:t>
+            </a:r>
+            <a:r>
+              <a:rPr lang="en-US" sz="2800" b="1" dirty="0" err="1">
+                <a:latin typeface="Times New Roman"/>
+                <a:ea typeface="Times New Roman"/>
+                <a:cs typeface="Times New Roman"/>
+                <a:sym typeface="Times New Roman"/>
+              </a:rPr>
+              <a:t>triển</a:t>
+            </a:r>
+            <a:endParaRPr lang="en-US" sz="2800" b="1" dirty="0">
               <a:latin typeface="Times New Roman"/>
               <a:ea typeface="Times New Roman"/>
               <a:cs typeface="Times New Roman"/>
@@ -18137,15 +19378,294 @@
               <a:buChar char="•"/>
             </a:pPr>
             <a:r>
-              <a:rPr lang="en-US">
-                <a:latin typeface="Times New Roman"/>
-                <a:ea typeface="Times New Roman"/>
-                <a:cs typeface="Times New Roman"/>
-                <a:sym typeface="Times New Roman"/>
-              </a:rPr>
-              <a:t>Phiên bản 1 đã hoàn thiện các tính năng giải quyết bài toán đã đề ra</a:t>
-            </a:r>
-            <a:endParaRPr>
+              <a:rPr lang="en-US" dirty="0">
+                <a:latin typeface="Times New Roman"/>
+                <a:ea typeface="Times New Roman"/>
+                <a:cs typeface="Times New Roman"/>
+                <a:sym typeface="Times New Roman"/>
+              </a:rPr>
+              <a:t>Thu </a:t>
+            </a:r>
+            <a:r>
+              <a:rPr lang="en-US" dirty="0" err="1">
+                <a:latin typeface="Times New Roman"/>
+                <a:ea typeface="Times New Roman"/>
+                <a:cs typeface="Times New Roman"/>
+                <a:sym typeface="Times New Roman"/>
+              </a:rPr>
+              <a:t>thập</a:t>
+            </a:r>
+            <a:r>
+              <a:rPr lang="en-US" dirty="0">
+                <a:latin typeface="Times New Roman"/>
+                <a:ea typeface="Times New Roman"/>
+                <a:cs typeface="Times New Roman"/>
+                <a:sym typeface="Times New Roman"/>
+              </a:rPr>
+              <a:t> </a:t>
+            </a:r>
+            <a:r>
+              <a:rPr lang="en-US" dirty="0" err="1">
+                <a:latin typeface="Times New Roman"/>
+                <a:ea typeface="Times New Roman"/>
+                <a:cs typeface="Times New Roman"/>
+                <a:sym typeface="Times New Roman"/>
+              </a:rPr>
+              <a:t>điểm</a:t>
+            </a:r>
+            <a:r>
+              <a:rPr lang="en-US" dirty="0">
+                <a:latin typeface="Times New Roman"/>
+                <a:ea typeface="Times New Roman"/>
+                <a:cs typeface="Times New Roman"/>
+                <a:sym typeface="Times New Roman"/>
+              </a:rPr>
+              <a:t>, </a:t>
+            </a:r>
+            <a:r>
+              <a:rPr lang="en-US" dirty="0" err="1">
+                <a:latin typeface="Times New Roman"/>
+                <a:ea typeface="Times New Roman"/>
+                <a:cs typeface="Times New Roman"/>
+                <a:sym typeface="Times New Roman"/>
+              </a:rPr>
+              <a:t>phản</a:t>
+            </a:r>
+            <a:r>
+              <a:rPr lang="en-US" dirty="0">
+                <a:latin typeface="Times New Roman"/>
+                <a:ea typeface="Times New Roman"/>
+                <a:cs typeface="Times New Roman"/>
+                <a:sym typeface="Times New Roman"/>
+              </a:rPr>
+              <a:t> </a:t>
+            </a:r>
+            <a:r>
+              <a:rPr lang="en-US" dirty="0" err="1">
+                <a:latin typeface="Times New Roman"/>
+                <a:ea typeface="Times New Roman"/>
+                <a:cs typeface="Times New Roman"/>
+                <a:sym typeface="Times New Roman"/>
+              </a:rPr>
+              <a:t>hồi</a:t>
+            </a:r>
+            <a:r>
+              <a:rPr lang="en-US" dirty="0">
+                <a:latin typeface="Times New Roman"/>
+                <a:ea typeface="Times New Roman"/>
+                <a:cs typeface="Times New Roman"/>
+                <a:sym typeface="Times New Roman"/>
+              </a:rPr>
+              <a:t> </a:t>
+            </a:r>
+            <a:r>
+              <a:rPr lang="en-US" dirty="0" err="1">
+                <a:latin typeface="Times New Roman"/>
+                <a:ea typeface="Times New Roman"/>
+                <a:cs typeface="Times New Roman"/>
+                <a:sym typeface="Times New Roman"/>
+              </a:rPr>
+              <a:t>về</a:t>
+            </a:r>
+            <a:r>
+              <a:rPr lang="en-US" dirty="0">
+                <a:latin typeface="Times New Roman"/>
+                <a:ea typeface="Times New Roman"/>
+                <a:cs typeface="Times New Roman"/>
+                <a:sym typeface="Times New Roman"/>
+              </a:rPr>
+              <a:t> </a:t>
+            </a:r>
+            <a:r>
+              <a:rPr lang="en-US" dirty="0" err="1">
+                <a:latin typeface="Times New Roman"/>
+                <a:ea typeface="Times New Roman"/>
+                <a:cs typeface="Times New Roman"/>
+                <a:sym typeface="Times New Roman"/>
+              </a:rPr>
+              <a:t>dự</a:t>
+            </a:r>
+            <a:r>
+              <a:rPr lang="en-US" dirty="0">
+                <a:latin typeface="Times New Roman"/>
+                <a:ea typeface="Times New Roman"/>
+                <a:cs typeface="Times New Roman"/>
+                <a:sym typeface="Times New Roman"/>
+              </a:rPr>
+              <a:t> </a:t>
+            </a:r>
+            <a:r>
+              <a:rPr lang="en-US" dirty="0" err="1">
+                <a:latin typeface="Times New Roman"/>
+                <a:ea typeface="Times New Roman"/>
+                <a:cs typeface="Times New Roman"/>
+                <a:sym typeface="Times New Roman"/>
+              </a:rPr>
+              <a:t>đoán</a:t>
+            </a:r>
+            <a:r>
+              <a:rPr lang="en-US" dirty="0">
+                <a:latin typeface="Times New Roman"/>
+                <a:ea typeface="Times New Roman"/>
+                <a:cs typeface="Times New Roman"/>
+                <a:sym typeface="Times New Roman"/>
+              </a:rPr>
+              <a:t>, </a:t>
+            </a:r>
+            <a:r>
+              <a:rPr lang="en-US" dirty="0" err="1">
+                <a:latin typeface="Times New Roman"/>
+                <a:ea typeface="Times New Roman"/>
+                <a:cs typeface="Times New Roman"/>
+                <a:sym typeface="Times New Roman"/>
+              </a:rPr>
+              <a:t>gợi</a:t>
+            </a:r>
+            <a:r>
+              <a:rPr lang="en-US" dirty="0">
+                <a:latin typeface="Times New Roman"/>
+                <a:ea typeface="Times New Roman"/>
+                <a:cs typeface="Times New Roman"/>
+                <a:sym typeface="Times New Roman"/>
+              </a:rPr>
+              <a:t> ý </a:t>
+            </a:r>
+            <a:r>
+              <a:rPr lang="en-US" dirty="0" err="1">
+                <a:latin typeface="Times New Roman"/>
+                <a:ea typeface="Times New Roman"/>
+                <a:cs typeface="Times New Roman"/>
+                <a:sym typeface="Times New Roman"/>
+              </a:rPr>
+              <a:t>của</a:t>
+            </a:r>
+            <a:r>
+              <a:rPr lang="en-US" dirty="0">
+                <a:latin typeface="Times New Roman"/>
+                <a:ea typeface="Times New Roman"/>
+                <a:cs typeface="Times New Roman"/>
+                <a:sym typeface="Times New Roman"/>
+              </a:rPr>
+              <a:t> </a:t>
+            </a:r>
+            <a:r>
+              <a:rPr lang="en-US" dirty="0" err="1">
+                <a:latin typeface="Times New Roman"/>
+                <a:ea typeface="Times New Roman"/>
+                <a:cs typeface="Times New Roman"/>
+                <a:sym typeface="Times New Roman"/>
+              </a:rPr>
+              <a:t>sinh</a:t>
+            </a:r>
+            <a:r>
+              <a:rPr lang="en-US" dirty="0">
+                <a:latin typeface="Times New Roman"/>
+                <a:ea typeface="Times New Roman"/>
+                <a:cs typeface="Times New Roman"/>
+                <a:sym typeface="Times New Roman"/>
+              </a:rPr>
+              <a:t> </a:t>
+            </a:r>
+            <a:r>
+              <a:rPr lang="en-US" dirty="0" err="1">
+                <a:latin typeface="Times New Roman"/>
+                <a:ea typeface="Times New Roman"/>
+                <a:cs typeface="Times New Roman"/>
+                <a:sym typeface="Times New Roman"/>
+              </a:rPr>
+              <a:t>viên</a:t>
+            </a:r>
+            <a:r>
+              <a:rPr lang="en-US" dirty="0">
+                <a:latin typeface="Times New Roman"/>
+                <a:ea typeface="Times New Roman"/>
+                <a:cs typeface="Times New Roman"/>
+                <a:sym typeface="Times New Roman"/>
+              </a:rPr>
+              <a:t> </a:t>
+            </a:r>
+            <a:r>
+              <a:rPr lang="en-US" dirty="0" err="1">
+                <a:latin typeface="Times New Roman"/>
+                <a:ea typeface="Times New Roman"/>
+                <a:cs typeface="Times New Roman"/>
+                <a:sym typeface="Times New Roman"/>
+              </a:rPr>
+              <a:t>để</a:t>
+            </a:r>
+            <a:r>
+              <a:rPr lang="en-US" dirty="0">
+                <a:latin typeface="Times New Roman"/>
+                <a:ea typeface="Times New Roman"/>
+                <a:cs typeface="Times New Roman"/>
+                <a:sym typeface="Times New Roman"/>
+              </a:rPr>
+              <a:t> </a:t>
+            </a:r>
+            <a:r>
+              <a:rPr lang="en-US" dirty="0" err="1">
+                <a:latin typeface="Times New Roman"/>
+                <a:ea typeface="Times New Roman"/>
+                <a:cs typeface="Times New Roman"/>
+                <a:sym typeface="Times New Roman"/>
+              </a:rPr>
+              <a:t>cải</a:t>
+            </a:r>
+            <a:r>
+              <a:rPr lang="en-US" dirty="0">
+                <a:latin typeface="Times New Roman"/>
+                <a:ea typeface="Times New Roman"/>
+                <a:cs typeface="Times New Roman"/>
+                <a:sym typeface="Times New Roman"/>
+              </a:rPr>
+              <a:t> </a:t>
+            </a:r>
+            <a:r>
+              <a:rPr lang="en-US" dirty="0" err="1">
+                <a:latin typeface="Times New Roman"/>
+                <a:ea typeface="Times New Roman"/>
+                <a:cs typeface="Times New Roman"/>
+                <a:sym typeface="Times New Roman"/>
+              </a:rPr>
+              <a:t>thiện</a:t>
+            </a:r>
+            <a:r>
+              <a:rPr lang="en-US" dirty="0">
+                <a:latin typeface="Times New Roman"/>
+                <a:ea typeface="Times New Roman"/>
+                <a:cs typeface="Times New Roman"/>
+                <a:sym typeface="Times New Roman"/>
+              </a:rPr>
+              <a:t> </a:t>
+            </a:r>
+            <a:r>
+              <a:rPr lang="en-US" dirty="0" err="1">
+                <a:latin typeface="Times New Roman"/>
+                <a:ea typeface="Times New Roman"/>
+                <a:cs typeface="Times New Roman"/>
+                <a:sym typeface="Times New Roman"/>
+              </a:rPr>
+              <a:t>hiện</a:t>
+            </a:r>
+            <a:r>
+              <a:rPr lang="en-US" dirty="0">
+                <a:latin typeface="Times New Roman"/>
+                <a:ea typeface="Times New Roman"/>
+                <a:cs typeface="Times New Roman"/>
+                <a:sym typeface="Times New Roman"/>
+              </a:rPr>
+              <a:t> </a:t>
+            </a:r>
+            <a:r>
+              <a:rPr lang="en-US" dirty="0" err="1">
+                <a:latin typeface="Times New Roman"/>
+                <a:ea typeface="Times New Roman"/>
+                <a:cs typeface="Times New Roman"/>
+                <a:sym typeface="Times New Roman"/>
+              </a:rPr>
+              <a:t>quả</a:t>
+            </a:r>
+            <a:endParaRPr lang="en-US" dirty="0">
               <a:latin typeface="Times New Roman"/>
               <a:ea typeface="Times New Roman"/>
               <a:cs typeface="Times New Roman"/>
@@ -18163,20 +19683,257 @@
               <a:spcAft>
                 <a:spcPts val="0"/>
               </a:spcAft>
+              <a:buClr>
+                <a:schemeClr val="dk1"/>
+              </a:buClr>
               <a:buSzPts val="2400"/>
-              <a:buFont typeface="Times New Roman"/>
+              <a:buFont typeface="Arial"/>
               <a:buChar char="•"/>
             </a:pPr>
             <a:r>
-              <a:rPr lang="en-US">
-                <a:latin typeface="Times New Roman"/>
-                <a:ea typeface="Times New Roman"/>
-                <a:cs typeface="Times New Roman"/>
-                <a:sym typeface="Times New Roman"/>
-              </a:rPr>
-              <a:t>Tại phiên bản 1 đã tích hợp được dữ liệu điểm của K60, K61, K62, K63, K64</a:t>
-            </a:r>
-            <a:endParaRPr>
+              <a:rPr lang="en-US" dirty="0" err="1">
+                <a:latin typeface="Times New Roman"/>
+                <a:ea typeface="Times New Roman"/>
+                <a:cs typeface="Times New Roman"/>
+                <a:sym typeface="Times New Roman"/>
+              </a:rPr>
+              <a:t>Phát</a:t>
+            </a:r>
+            <a:r>
+              <a:rPr lang="en-US" dirty="0">
+                <a:latin typeface="Times New Roman"/>
+                <a:ea typeface="Times New Roman"/>
+                <a:cs typeface="Times New Roman"/>
+                <a:sym typeface="Times New Roman"/>
+              </a:rPr>
+              <a:t> </a:t>
+            </a:r>
+            <a:r>
+              <a:rPr lang="en-US" dirty="0" err="1">
+                <a:latin typeface="Times New Roman"/>
+                <a:ea typeface="Times New Roman"/>
+                <a:cs typeface="Times New Roman"/>
+                <a:sym typeface="Times New Roman"/>
+              </a:rPr>
+              <a:t>triển</a:t>
+            </a:r>
+            <a:r>
+              <a:rPr lang="en-US" dirty="0">
+                <a:latin typeface="Times New Roman"/>
+                <a:ea typeface="Times New Roman"/>
+                <a:cs typeface="Times New Roman"/>
+                <a:sym typeface="Times New Roman"/>
+              </a:rPr>
+              <a:t> </a:t>
+            </a:r>
+            <a:r>
+              <a:rPr lang="en-US" dirty="0" err="1">
+                <a:latin typeface="Times New Roman"/>
+                <a:ea typeface="Times New Roman"/>
+                <a:cs typeface="Times New Roman"/>
+                <a:sym typeface="Times New Roman"/>
+              </a:rPr>
+              <a:t>bổ</a:t>
+            </a:r>
+            <a:r>
+              <a:rPr lang="en-US" dirty="0">
+                <a:latin typeface="Times New Roman"/>
+                <a:ea typeface="Times New Roman"/>
+                <a:cs typeface="Times New Roman"/>
+                <a:sym typeface="Times New Roman"/>
+              </a:rPr>
+              <a:t> </a:t>
+            </a:r>
+            <a:r>
+              <a:rPr lang="en-US" dirty="0" err="1">
+                <a:latin typeface="Times New Roman"/>
+                <a:ea typeface="Times New Roman"/>
+                <a:cs typeface="Times New Roman"/>
+                <a:sym typeface="Times New Roman"/>
+              </a:rPr>
+              <a:t>xung</a:t>
+            </a:r>
+            <a:r>
+              <a:rPr lang="en-US" dirty="0">
+                <a:latin typeface="Times New Roman"/>
+                <a:ea typeface="Times New Roman"/>
+                <a:cs typeface="Times New Roman"/>
+                <a:sym typeface="Times New Roman"/>
+              </a:rPr>
+              <a:t> </a:t>
+            </a:r>
+            <a:r>
+              <a:rPr lang="en-US" dirty="0" err="1">
+                <a:latin typeface="Times New Roman"/>
+                <a:ea typeface="Times New Roman"/>
+                <a:cs typeface="Times New Roman"/>
+                <a:sym typeface="Times New Roman"/>
+              </a:rPr>
+              <a:t>giao</a:t>
+            </a:r>
+            <a:r>
+              <a:rPr lang="en-US" dirty="0">
+                <a:latin typeface="Times New Roman"/>
+                <a:ea typeface="Times New Roman"/>
+                <a:cs typeface="Times New Roman"/>
+                <a:sym typeface="Times New Roman"/>
+              </a:rPr>
+              <a:t> </a:t>
+            </a:r>
+            <a:r>
+              <a:rPr lang="en-US" dirty="0" err="1">
+                <a:latin typeface="Times New Roman"/>
+                <a:ea typeface="Times New Roman"/>
+                <a:cs typeface="Times New Roman"/>
+                <a:sym typeface="Times New Roman"/>
+              </a:rPr>
+              <a:t>diện</a:t>
+            </a:r>
+            <a:r>
+              <a:rPr lang="en-US" dirty="0">
+                <a:latin typeface="Times New Roman"/>
+                <a:ea typeface="Times New Roman"/>
+                <a:cs typeface="Times New Roman"/>
+                <a:sym typeface="Times New Roman"/>
+              </a:rPr>
+              <a:t> </a:t>
+            </a:r>
+            <a:r>
+              <a:rPr lang="en-US" dirty="0" err="1">
+                <a:latin typeface="Times New Roman"/>
+                <a:ea typeface="Times New Roman"/>
+                <a:cs typeface="Times New Roman"/>
+                <a:sym typeface="Times New Roman"/>
+              </a:rPr>
+              <a:t>trên</a:t>
+            </a:r>
+            <a:r>
+              <a:rPr lang="en-US" dirty="0">
+                <a:latin typeface="Times New Roman"/>
+                <a:ea typeface="Times New Roman"/>
+                <a:cs typeface="Times New Roman"/>
+                <a:sym typeface="Times New Roman"/>
+              </a:rPr>
+              <a:t> </a:t>
+            </a:r>
+            <a:r>
+              <a:rPr lang="en-US" dirty="0" err="1">
+                <a:latin typeface="Times New Roman"/>
+                <a:ea typeface="Times New Roman"/>
+                <a:cs typeface="Times New Roman"/>
+                <a:sym typeface="Times New Roman"/>
+              </a:rPr>
+              <a:t>các</a:t>
+            </a:r>
+            <a:r>
+              <a:rPr lang="en-US" dirty="0">
+                <a:latin typeface="Times New Roman"/>
+                <a:ea typeface="Times New Roman"/>
+                <a:cs typeface="Times New Roman"/>
+                <a:sym typeface="Times New Roman"/>
+              </a:rPr>
+              <a:t> </a:t>
+            </a:r>
+            <a:r>
+              <a:rPr lang="en-US" dirty="0" err="1">
+                <a:latin typeface="Times New Roman"/>
+                <a:ea typeface="Times New Roman"/>
+                <a:cs typeface="Times New Roman"/>
+                <a:sym typeface="Times New Roman"/>
+              </a:rPr>
+              <a:t>thiết</a:t>
+            </a:r>
+            <a:r>
+              <a:rPr lang="en-US" dirty="0">
+                <a:latin typeface="Times New Roman"/>
+                <a:ea typeface="Times New Roman"/>
+                <a:cs typeface="Times New Roman"/>
+                <a:sym typeface="Times New Roman"/>
+              </a:rPr>
+              <a:t> </a:t>
+            </a:r>
+            <a:r>
+              <a:rPr lang="en-US" dirty="0" err="1">
+                <a:latin typeface="Times New Roman"/>
+                <a:ea typeface="Times New Roman"/>
+                <a:cs typeface="Times New Roman"/>
+                <a:sym typeface="Times New Roman"/>
+              </a:rPr>
+              <a:t>bị</a:t>
+            </a:r>
+            <a:r>
+              <a:rPr lang="en-US" dirty="0">
+                <a:latin typeface="Times New Roman"/>
+                <a:ea typeface="Times New Roman"/>
+                <a:cs typeface="Times New Roman"/>
+                <a:sym typeface="Times New Roman"/>
+              </a:rPr>
+              <a:t> </a:t>
+            </a:r>
+            <a:r>
+              <a:rPr lang="en-US" dirty="0" err="1">
+                <a:latin typeface="Times New Roman"/>
+                <a:ea typeface="Times New Roman"/>
+                <a:cs typeface="Times New Roman"/>
+                <a:sym typeface="Times New Roman"/>
+              </a:rPr>
+              <a:t>điện</a:t>
+            </a:r>
+            <a:r>
+              <a:rPr lang="en-US" dirty="0">
+                <a:latin typeface="Times New Roman"/>
+                <a:ea typeface="Times New Roman"/>
+                <a:cs typeface="Times New Roman"/>
+                <a:sym typeface="Times New Roman"/>
+              </a:rPr>
+              <a:t> </a:t>
+            </a:r>
+            <a:r>
+              <a:rPr lang="en-US" dirty="0" err="1">
+                <a:latin typeface="Times New Roman"/>
+                <a:ea typeface="Times New Roman"/>
+                <a:cs typeface="Times New Roman"/>
+                <a:sym typeface="Times New Roman"/>
+              </a:rPr>
+              <a:t>thoại</a:t>
+            </a:r>
+            <a:r>
+              <a:rPr lang="en-US" dirty="0">
+                <a:latin typeface="Times New Roman"/>
+                <a:ea typeface="Times New Roman"/>
+                <a:cs typeface="Times New Roman"/>
+                <a:sym typeface="Times New Roman"/>
+              </a:rPr>
+              <a:t> </a:t>
+            </a:r>
+            <a:r>
+              <a:rPr lang="en-US" dirty="0" err="1">
+                <a:latin typeface="Times New Roman"/>
+                <a:ea typeface="Times New Roman"/>
+                <a:cs typeface="Times New Roman"/>
+                <a:sym typeface="Times New Roman"/>
+              </a:rPr>
+              <a:t>thông</a:t>
+            </a:r>
+            <a:r>
+              <a:rPr lang="en-US" dirty="0">
+                <a:latin typeface="Times New Roman"/>
+                <a:ea typeface="Times New Roman"/>
+                <a:cs typeface="Times New Roman"/>
+                <a:sym typeface="Times New Roman"/>
+              </a:rPr>
+              <a:t> </a:t>
+            </a:r>
+            <a:r>
+              <a:rPr lang="en-US" dirty="0" err="1">
+                <a:latin typeface="Times New Roman"/>
+                <a:ea typeface="Times New Roman"/>
+                <a:cs typeface="Times New Roman"/>
+                <a:sym typeface="Times New Roman"/>
+              </a:rPr>
+              <a:t>minh</a:t>
+            </a:r>
+            <a:endParaRPr lang="en-US" dirty="0">
               <a:latin typeface="Times New Roman"/>
               <a:ea typeface="Times New Roman"/>
               <a:cs typeface="Times New Roman"/>
@@ -18202,44 +19959,60 @@
               <a:buChar char="•"/>
             </a:pPr>
             <a:r>
-              <a:rPr lang="en-US">
-                <a:latin typeface="Times New Roman"/>
-                <a:ea typeface="Times New Roman"/>
-                <a:cs typeface="Times New Roman"/>
-                <a:sym typeface="Times New Roman"/>
-              </a:rPr>
-              <a:t>Tài khoản của sinh viên đã bước đầu kết hợp với tài khoản LDAP (xác thực sinh viên của nhà trường)</a:t>
-            </a:r>
-            <a:endParaRPr/>
-          </a:p>
-          <a:p>
-            <a:pPr marL="342900" lvl="0" indent="-342900" algn="l" rtl="0">
-              <a:lnSpc>
-                <a:spcPct val="90000"/>
-              </a:lnSpc>
-              <a:spcBef>
-                <a:spcPts val="1000"/>
-              </a:spcBef>
-              <a:spcAft>
-                <a:spcPts val="0"/>
-              </a:spcAft>
-              <a:buClr>
-                <a:schemeClr val="dk1"/>
-              </a:buClr>
-              <a:buSzPts val="2400"/>
-              <a:buFont typeface="Arial"/>
-              <a:buChar char="•"/>
-            </a:pPr>
-            <a:r>
-              <a:rPr lang="en-US">
-                <a:latin typeface="Times New Roman"/>
-                <a:ea typeface="Times New Roman"/>
-                <a:cs typeface="Times New Roman"/>
-                <a:sym typeface="Times New Roman"/>
-              </a:rPr>
-              <a:t>Để sản phẩm dễ sử dụng và tiện ích hơn thì vẫn có thể phát triển tiện ích xung quanh tính năng chính</a:t>
-            </a:r>
-            <a:endParaRPr>
+              <a:rPr lang="en-US" dirty="0" err="1">
+                <a:latin typeface="Times New Roman"/>
+                <a:ea typeface="Times New Roman"/>
+                <a:cs typeface="Times New Roman"/>
+                <a:sym typeface="Times New Roman"/>
+              </a:rPr>
+              <a:t>Nhập</a:t>
+            </a:r>
+            <a:r>
+              <a:rPr lang="en-US" dirty="0">
+                <a:latin typeface="Times New Roman"/>
+                <a:ea typeface="Times New Roman"/>
+                <a:cs typeface="Times New Roman"/>
+                <a:sym typeface="Times New Roman"/>
+              </a:rPr>
+              <a:t> </a:t>
+            </a:r>
+            <a:r>
+              <a:rPr lang="en-US" dirty="0" err="1">
+                <a:latin typeface="Times New Roman"/>
+                <a:ea typeface="Times New Roman"/>
+                <a:cs typeface="Times New Roman"/>
+                <a:sym typeface="Times New Roman"/>
+              </a:rPr>
+              <a:t>liệu</a:t>
+            </a:r>
+            <a:r>
+              <a:rPr lang="en-US" dirty="0">
+                <a:latin typeface="Times New Roman"/>
+                <a:ea typeface="Times New Roman"/>
+                <a:cs typeface="Times New Roman"/>
+                <a:sym typeface="Times New Roman"/>
+              </a:rPr>
+              <a:t> </a:t>
+            </a:r>
+            <a:r>
+              <a:rPr lang="en-US" dirty="0" err="1">
+                <a:latin typeface="Times New Roman"/>
+                <a:ea typeface="Times New Roman"/>
+                <a:cs typeface="Times New Roman"/>
+                <a:sym typeface="Times New Roman"/>
+              </a:rPr>
+              <a:t>thông</a:t>
+            </a:r>
+            <a:r>
+              <a:rPr lang="en-US" dirty="0">
+                <a:latin typeface="Times New Roman"/>
+                <a:ea typeface="Times New Roman"/>
+                <a:cs typeface="Times New Roman"/>
+                <a:sym typeface="Times New Roman"/>
+              </a:rPr>
+              <a:t> qua file excel.</a:t>
+            </a:r>
+            <a:endParaRPr lang="vi-VN" dirty="0">
               <a:latin typeface="Times New Roman"/>
               <a:ea typeface="Times New Roman"/>
               <a:cs typeface="Times New Roman"/>

--- a/Khóa luận tốt nghiệp .pptx
+++ b/Khóa luận tốt nghiệp .pptx
@@ -18245,7 +18245,7 @@
         </p:blipFill>
         <p:spPr>
           <a:xfrm>
-            <a:off x="967176" y="1510099"/>
+            <a:off x="1180234" y="1510100"/>
             <a:ext cx="9476424" cy="4673075"/>
           </a:xfrm>
           <a:prstGeom prst="rect">
@@ -18987,7 +18987,7 @@
         </p:blipFill>
         <p:spPr>
           <a:xfrm>
-            <a:off x="1991856" y="1338413"/>
+            <a:off x="2209208" y="1338421"/>
             <a:ext cx="7418476" cy="5383029"/>
           </a:xfrm>
           <a:prstGeom prst="rect">
@@ -19232,7 +19232,7 @@
         </p:blipFill>
         <p:spPr>
           <a:xfrm>
-            <a:off x="860352" y="1382705"/>
+            <a:off x="1037906" y="1423250"/>
             <a:ext cx="10116188" cy="4988545"/>
           </a:xfrm>
           <a:prstGeom prst="rect">
@@ -19477,7 +19477,7 @@
         </p:blipFill>
         <p:spPr>
           <a:xfrm>
-            <a:off x="778639" y="1313895"/>
+            <a:off x="956193" y="1287215"/>
             <a:ext cx="10279614" cy="5069135"/>
           </a:xfrm>
           <a:prstGeom prst="rect">
@@ -19590,7 +19590,7 @@
         </p:nvSpPr>
         <p:spPr>
           <a:xfrm>
-            <a:off x="1346446" y="727969"/>
+            <a:off x="1283563" y="858597"/>
             <a:ext cx="10070237" cy="3121542"/>
           </a:xfrm>
           <a:prstGeom prst="rect">
@@ -20693,7 +20693,7 @@
         </p:nvSpPr>
         <p:spPr>
           <a:xfrm>
-            <a:off x="1346446" y="3100479"/>
+            <a:off x="1346446" y="3326798"/>
             <a:ext cx="10070237" cy="3029552"/>
           </a:xfrm>
           <a:prstGeom prst="rect">
@@ -21823,85 +21823,6 @@
               <a:t>minh</a:t>
             </a:r>
             <a:endParaRPr lang="en-US" dirty="0">
-              <a:latin typeface="Times New Roman"/>
-              <a:ea typeface="Times New Roman"/>
-              <a:cs typeface="Times New Roman"/>
-              <a:sym typeface="Times New Roman"/>
-            </a:endParaRPr>
-          </a:p>
-          <a:p>
-            <a:pPr marL="342900" lvl="0" indent="-342900" algn="l" rtl="0">
-              <a:lnSpc>
-                <a:spcPct val="90000"/>
-              </a:lnSpc>
-              <a:spcBef>
-                <a:spcPts val="1000"/>
-              </a:spcBef>
-              <a:spcAft>
-                <a:spcPts val="0"/>
-              </a:spcAft>
-              <a:buClr>
-                <a:schemeClr val="dk1"/>
-              </a:buClr>
-              <a:buSzPts val="2400"/>
-              <a:buFont typeface="Arial"/>
-              <a:buChar char="•"/>
-            </a:pPr>
-            <a:r>
-              <a:rPr lang="en-US" dirty="0" err="1">
-                <a:latin typeface="Times New Roman"/>
-                <a:ea typeface="Times New Roman"/>
-                <a:cs typeface="Times New Roman"/>
-                <a:sym typeface="Times New Roman"/>
-              </a:rPr>
-              <a:t>Nhập</a:t>
-            </a:r>
-            <a:r>
-              <a:rPr lang="en-US" dirty="0">
-                <a:latin typeface="Times New Roman"/>
-                <a:ea typeface="Times New Roman"/>
-                <a:cs typeface="Times New Roman"/>
-                <a:sym typeface="Times New Roman"/>
-              </a:rPr>
-              <a:t> </a:t>
-            </a:r>
-            <a:r>
-              <a:rPr lang="en-US" dirty="0" err="1">
-                <a:latin typeface="Times New Roman"/>
-                <a:ea typeface="Times New Roman"/>
-                <a:cs typeface="Times New Roman"/>
-                <a:sym typeface="Times New Roman"/>
-              </a:rPr>
-              <a:t>liệu</a:t>
-            </a:r>
-            <a:r>
-              <a:rPr lang="en-US" dirty="0">
-                <a:latin typeface="Times New Roman"/>
-                <a:ea typeface="Times New Roman"/>
-                <a:cs typeface="Times New Roman"/>
-                <a:sym typeface="Times New Roman"/>
-              </a:rPr>
-              <a:t> </a:t>
-            </a:r>
-            <a:r>
-              <a:rPr lang="en-US" dirty="0" err="1">
-                <a:latin typeface="Times New Roman"/>
-                <a:ea typeface="Times New Roman"/>
-                <a:cs typeface="Times New Roman"/>
-                <a:sym typeface="Times New Roman"/>
-              </a:rPr>
-              <a:t>thông</a:t>
-            </a:r>
-            <a:r>
-              <a:rPr lang="en-US" dirty="0">
-                <a:latin typeface="Times New Roman"/>
-                <a:ea typeface="Times New Roman"/>
-                <a:cs typeface="Times New Roman"/>
-                <a:sym typeface="Times New Roman"/>
-              </a:rPr>
-              <a:t> qua file excel</a:t>
-            </a:r>
-            <a:endParaRPr lang="vi-VN" dirty="0">
               <a:latin typeface="Times New Roman"/>
               <a:ea typeface="Times New Roman"/>
               <a:cs typeface="Times New Roman"/>

--- a/Khóa luận tốt nghiệp .pptx
+++ b/Khóa luận tốt nghiệp .pptx
@@ -5,7 +5,7 @@
     <p:sldMasterId id="2147483659" r:id="rId1"/>
   </p:sldMasterIdLst>
   <p:notesMasterIdLst>
-    <p:notesMasterId r:id="rId27"/>
+    <p:notesMasterId r:id="rId25"/>
   </p:notesMasterIdLst>
   <p:sldIdLst>
     <p:sldId id="256" r:id="rId2"/>
@@ -24,15 +24,13 @@
     <p:sldId id="269" r:id="rId15"/>
     <p:sldId id="270" r:id="rId16"/>
     <p:sldId id="271" r:id="rId17"/>
-    <p:sldId id="272" r:id="rId18"/>
-    <p:sldId id="273" r:id="rId19"/>
-    <p:sldId id="274" r:id="rId20"/>
-    <p:sldId id="275" r:id="rId21"/>
-    <p:sldId id="276" r:id="rId22"/>
-    <p:sldId id="277" r:id="rId23"/>
-    <p:sldId id="278" r:id="rId24"/>
-    <p:sldId id="279" r:id="rId25"/>
-    <p:sldId id="280" r:id="rId26"/>
+    <p:sldId id="273" r:id="rId18"/>
+    <p:sldId id="274" r:id="rId19"/>
+    <p:sldId id="275" r:id="rId20"/>
+    <p:sldId id="276" r:id="rId21"/>
+    <p:sldId id="278" r:id="rId22"/>
+    <p:sldId id="279" r:id="rId23"/>
+    <p:sldId id="280" r:id="rId24"/>
   </p:sldIdLst>
   <p:sldSz cx="12192000" cy="6858000"/>
   <p:notesSz cx="6858000" cy="9144000"/>
@@ -1551,110 +1549,6 @@
   <p:cSld>
     <p:spTree>
       <p:nvGrpSpPr>
-        <p:cNvPr id="1" name="Shape 212"/>
-        <p:cNvGrpSpPr/>
-        <p:nvPr/>
-      </p:nvGrpSpPr>
-      <p:grpSpPr>
-        <a:xfrm>
-          <a:off x="0" y="0"/>
-          <a:ext cx="0" cy="0"/>
-          <a:chOff x="0" y="0"/>
-          <a:chExt cx="0" cy="0"/>
-        </a:xfrm>
-      </p:grpSpPr>
-      <p:sp>
-        <p:nvSpPr>
-          <p:cNvPr id="213" name="Google Shape;213;p17:notes"/>
-          <p:cNvSpPr txBox="1">
-            <a:spLocks noGrp="1"/>
-          </p:cNvSpPr>
-          <p:nvPr>
-            <p:ph type="body" idx="1"/>
-          </p:nvPr>
-        </p:nvSpPr>
-        <p:spPr>
-          <a:xfrm>
-            <a:off x="685800" y="4343400"/>
-            <a:ext cx="5486400" cy="4114800"/>
-          </a:xfrm>
-          <a:prstGeom prst="rect">
-            <a:avLst/>
-          </a:prstGeom>
-        </p:spPr>
-        <p:txBody>
-          <a:bodyPr spcFirstLastPara="1" wrap="square" lIns="91425" tIns="91425" rIns="91425" bIns="91425" anchor="t" anchorCtr="0">
-            <a:noAutofit/>
-          </a:bodyPr>
-          <a:lstStyle/>
-          <a:p>
-            <a:pPr marL="0" lvl="0" indent="0" algn="l" rtl="0">
-              <a:spcBef>
-                <a:spcPts val="0"/>
-              </a:spcBef>
-              <a:spcAft>
-                <a:spcPts val="0"/>
-              </a:spcAft>
-              <a:buNone/>
-            </a:pPr>
-            <a:endParaRPr/>
-          </a:p>
-        </p:txBody>
-      </p:sp>
-      <p:sp>
-        <p:nvSpPr>
-          <p:cNvPr id="214" name="Google Shape;214;p17:notes"/>
-          <p:cNvSpPr>
-            <a:spLocks noGrp="1" noRot="1" noChangeAspect="1"/>
-          </p:cNvSpPr>
-          <p:nvPr>
-            <p:ph type="sldImg" idx="2"/>
-          </p:nvPr>
-        </p:nvSpPr>
-        <p:spPr>
-          <a:xfrm>
-            <a:off x="381000" y="685800"/>
-            <a:ext cx="6096000" cy="3429000"/>
-          </a:xfrm>
-          <a:custGeom>
-            <a:avLst/>
-            <a:gdLst/>
-            <a:ahLst/>
-            <a:cxnLst/>
-            <a:rect l="l" t="t" r="r" b="b"/>
-            <a:pathLst>
-              <a:path w="120000" h="120000" extrusionOk="0">
-                <a:moveTo>
-                  <a:pt x="0" y="0"/>
-                </a:moveTo>
-                <a:lnTo>
-                  <a:pt x="120000" y="0"/>
-                </a:lnTo>
-                <a:lnTo>
-                  <a:pt x="120000" y="120000"/>
-                </a:lnTo>
-                <a:lnTo>
-                  <a:pt x="0" y="120000"/>
-                </a:lnTo>
-                <a:close/>
-              </a:path>
-            </a:pathLst>
-          </a:custGeom>
-        </p:spPr>
-      </p:sp>
-    </p:spTree>
-  </p:cSld>
-  <p:clrMapOvr>
-    <a:masterClrMapping/>
-  </p:clrMapOvr>
-</p:notes>
-</file>
-
-<file path=ppt/notesSlides/notesSlide18.xml><?xml version="1.0" encoding="utf-8"?>
-<p:notes xmlns:a="http://schemas.openxmlformats.org/drawingml/2006/main" xmlns:r="http://schemas.openxmlformats.org/officeDocument/2006/relationships" xmlns:p="http://schemas.openxmlformats.org/presentationml/2006/main" showMasterSp="0" showMasterPhAnim="0">
-  <p:cSld>
-    <p:spTree>
-      <p:nvGrpSpPr>
         <p:cNvPr id="1" name="Shape 220"/>
         <p:cNvGrpSpPr/>
         <p:nvPr/>
@@ -1754,7 +1648,7 @@
 </p:notes>
 </file>
 
-<file path=ppt/notesSlides/notesSlide19.xml><?xml version="1.0" encoding="utf-8"?>
+<file path=ppt/notesSlides/notesSlide18.xml><?xml version="1.0" encoding="utf-8"?>
 <p:notes xmlns:a="http://schemas.openxmlformats.org/drawingml/2006/main" xmlns:r="http://schemas.openxmlformats.org/officeDocument/2006/relationships" xmlns:p="http://schemas.openxmlformats.org/presentationml/2006/main" showMasterSp="0" showMasterPhAnim="0">
   <p:cSld>
     <p:spTree>
@@ -1812,6 +1706,110 @@
       <p:sp>
         <p:nvSpPr>
           <p:cNvPr id="230" name="Google Shape;230;p19:notes"/>
+          <p:cNvSpPr>
+            <a:spLocks noGrp="1" noRot="1" noChangeAspect="1"/>
+          </p:cNvSpPr>
+          <p:nvPr>
+            <p:ph type="sldImg" idx="2"/>
+          </p:nvPr>
+        </p:nvSpPr>
+        <p:spPr>
+          <a:xfrm>
+            <a:off x="381000" y="685800"/>
+            <a:ext cx="6096000" cy="3429000"/>
+          </a:xfrm>
+          <a:custGeom>
+            <a:avLst/>
+            <a:gdLst/>
+            <a:ahLst/>
+            <a:cxnLst/>
+            <a:rect l="l" t="t" r="r" b="b"/>
+            <a:pathLst>
+              <a:path w="120000" h="120000" extrusionOk="0">
+                <a:moveTo>
+                  <a:pt x="0" y="0"/>
+                </a:moveTo>
+                <a:lnTo>
+                  <a:pt x="120000" y="0"/>
+                </a:lnTo>
+                <a:lnTo>
+                  <a:pt x="120000" y="120000"/>
+                </a:lnTo>
+                <a:lnTo>
+                  <a:pt x="0" y="120000"/>
+                </a:lnTo>
+                <a:close/>
+              </a:path>
+            </a:pathLst>
+          </a:custGeom>
+        </p:spPr>
+      </p:sp>
+    </p:spTree>
+  </p:cSld>
+  <p:clrMapOvr>
+    <a:masterClrMapping/>
+  </p:clrMapOvr>
+</p:notes>
+</file>
+
+<file path=ppt/notesSlides/notesSlide19.xml><?xml version="1.0" encoding="utf-8"?>
+<p:notes xmlns:a="http://schemas.openxmlformats.org/drawingml/2006/main" xmlns:r="http://schemas.openxmlformats.org/officeDocument/2006/relationships" xmlns:p="http://schemas.openxmlformats.org/presentationml/2006/main" showMasterSp="0" showMasterPhAnim="0">
+  <p:cSld>
+    <p:spTree>
+      <p:nvGrpSpPr>
+        <p:cNvPr id="1" name="Shape 236"/>
+        <p:cNvGrpSpPr/>
+        <p:nvPr/>
+      </p:nvGrpSpPr>
+      <p:grpSpPr>
+        <a:xfrm>
+          <a:off x="0" y="0"/>
+          <a:ext cx="0" cy="0"/>
+          <a:chOff x="0" y="0"/>
+          <a:chExt cx="0" cy="0"/>
+        </a:xfrm>
+      </p:grpSpPr>
+      <p:sp>
+        <p:nvSpPr>
+          <p:cNvPr id="237" name="Google Shape;237;p20:notes"/>
+          <p:cNvSpPr txBox="1">
+            <a:spLocks noGrp="1"/>
+          </p:cNvSpPr>
+          <p:nvPr>
+            <p:ph type="body" idx="1"/>
+          </p:nvPr>
+        </p:nvSpPr>
+        <p:spPr>
+          <a:xfrm>
+            <a:off x="685800" y="4343400"/>
+            <a:ext cx="5486400" cy="4114800"/>
+          </a:xfrm>
+          <a:prstGeom prst="rect">
+            <a:avLst/>
+          </a:prstGeom>
+        </p:spPr>
+        <p:txBody>
+          <a:bodyPr spcFirstLastPara="1" wrap="square" lIns="91425" tIns="91425" rIns="91425" bIns="91425" anchor="t" anchorCtr="0">
+            <a:noAutofit/>
+          </a:bodyPr>
+          <a:lstStyle/>
+          <a:p>
+            <a:pPr marL="0" lvl="0" indent="0" algn="l" rtl="0">
+              <a:spcBef>
+                <a:spcPts val="0"/>
+              </a:spcBef>
+              <a:spcAft>
+                <a:spcPts val="0"/>
+              </a:spcAft>
+              <a:buNone/>
+            </a:pPr>
+            <a:endParaRPr/>
+          </a:p>
+        </p:txBody>
+      </p:sp>
+      <p:sp>
+        <p:nvSpPr>
+          <p:cNvPr id="238" name="Google Shape;238;p20:notes"/>
           <p:cNvSpPr>
             <a:spLocks noGrp="1" noRot="1" noChangeAspect="1"/>
           </p:cNvSpPr>
@@ -1967,110 +1965,6 @@
   <p:cSld>
     <p:spTree>
       <p:nvGrpSpPr>
-        <p:cNvPr id="1" name="Shape 236"/>
-        <p:cNvGrpSpPr/>
-        <p:nvPr/>
-      </p:nvGrpSpPr>
-      <p:grpSpPr>
-        <a:xfrm>
-          <a:off x="0" y="0"/>
-          <a:ext cx="0" cy="0"/>
-          <a:chOff x="0" y="0"/>
-          <a:chExt cx="0" cy="0"/>
-        </a:xfrm>
-      </p:grpSpPr>
-      <p:sp>
-        <p:nvSpPr>
-          <p:cNvPr id="237" name="Google Shape;237;p20:notes"/>
-          <p:cNvSpPr txBox="1">
-            <a:spLocks noGrp="1"/>
-          </p:cNvSpPr>
-          <p:nvPr>
-            <p:ph type="body" idx="1"/>
-          </p:nvPr>
-        </p:nvSpPr>
-        <p:spPr>
-          <a:xfrm>
-            <a:off x="685800" y="4343400"/>
-            <a:ext cx="5486400" cy="4114800"/>
-          </a:xfrm>
-          <a:prstGeom prst="rect">
-            <a:avLst/>
-          </a:prstGeom>
-        </p:spPr>
-        <p:txBody>
-          <a:bodyPr spcFirstLastPara="1" wrap="square" lIns="91425" tIns="91425" rIns="91425" bIns="91425" anchor="t" anchorCtr="0">
-            <a:noAutofit/>
-          </a:bodyPr>
-          <a:lstStyle/>
-          <a:p>
-            <a:pPr marL="0" lvl="0" indent="0" algn="l" rtl="0">
-              <a:spcBef>
-                <a:spcPts val="0"/>
-              </a:spcBef>
-              <a:spcAft>
-                <a:spcPts val="0"/>
-              </a:spcAft>
-              <a:buNone/>
-            </a:pPr>
-            <a:endParaRPr/>
-          </a:p>
-        </p:txBody>
-      </p:sp>
-      <p:sp>
-        <p:nvSpPr>
-          <p:cNvPr id="238" name="Google Shape;238;p20:notes"/>
-          <p:cNvSpPr>
-            <a:spLocks noGrp="1" noRot="1" noChangeAspect="1"/>
-          </p:cNvSpPr>
-          <p:nvPr>
-            <p:ph type="sldImg" idx="2"/>
-          </p:nvPr>
-        </p:nvSpPr>
-        <p:spPr>
-          <a:xfrm>
-            <a:off x="381000" y="685800"/>
-            <a:ext cx="6096000" cy="3429000"/>
-          </a:xfrm>
-          <a:custGeom>
-            <a:avLst/>
-            <a:gdLst/>
-            <a:ahLst/>
-            <a:cxnLst/>
-            <a:rect l="l" t="t" r="r" b="b"/>
-            <a:pathLst>
-              <a:path w="120000" h="120000" extrusionOk="0">
-                <a:moveTo>
-                  <a:pt x="0" y="0"/>
-                </a:moveTo>
-                <a:lnTo>
-                  <a:pt x="120000" y="0"/>
-                </a:lnTo>
-                <a:lnTo>
-                  <a:pt x="120000" y="120000"/>
-                </a:lnTo>
-                <a:lnTo>
-                  <a:pt x="0" y="120000"/>
-                </a:lnTo>
-                <a:close/>
-              </a:path>
-            </a:pathLst>
-          </a:custGeom>
-        </p:spPr>
-      </p:sp>
-    </p:spTree>
-  </p:cSld>
-  <p:clrMapOvr>
-    <a:masterClrMapping/>
-  </p:clrMapOvr>
-</p:notes>
-</file>
-
-<file path=ppt/notesSlides/notesSlide21.xml><?xml version="1.0" encoding="utf-8"?>
-<p:notes xmlns:a="http://schemas.openxmlformats.org/drawingml/2006/main" xmlns:r="http://schemas.openxmlformats.org/officeDocument/2006/relationships" xmlns:p="http://schemas.openxmlformats.org/presentationml/2006/main" showMasterSp="0" showMasterPhAnim="0">
-  <p:cSld>
-    <p:spTree>
-      <p:nvGrpSpPr>
         <p:cNvPr id="1" name="Shape 244"/>
         <p:cNvGrpSpPr/>
         <p:nvPr/>
@@ -2170,111 +2064,7 @@
 </p:notes>
 </file>
 
-<file path=ppt/notesSlides/notesSlide22.xml><?xml version="1.0" encoding="utf-8"?>
-<p:notes xmlns:a="http://schemas.openxmlformats.org/drawingml/2006/main" xmlns:r="http://schemas.openxmlformats.org/officeDocument/2006/relationships" xmlns:p="http://schemas.openxmlformats.org/presentationml/2006/main" showMasterSp="0" showMasterPhAnim="0">
-  <p:cSld>
-    <p:spTree>
-      <p:nvGrpSpPr>
-        <p:cNvPr id="1" name="Shape 252"/>
-        <p:cNvGrpSpPr/>
-        <p:nvPr/>
-      </p:nvGrpSpPr>
-      <p:grpSpPr>
-        <a:xfrm>
-          <a:off x="0" y="0"/>
-          <a:ext cx="0" cy="0"/>
-          <a:chOff x="0" y="0"/>
-          <a:chExt cx="0" cy="0"/>
-        </a:xfrm>
-      </p:grpSpPr>
-      <p:sp>
-        <p:nvSpPr>
-          <p:cNvPr id="253" name="Google Shape;253;p22:notes"/>
-          <p:cNvSpPr txBox="1">
-            <a:spLocks noGrp="1"/>
-          </p:cNvSpPr>
-          <p:nvPr>
-            <p:ph type="body" idx="1"/>
-          </p:nvPr>
-        </p:nvSpPr>
-        <p:spPr>
-          <a:xfrm>
-            <a:off x="685800" y="4343400"/>
-            <a:ext cx="5486400" cy="4114800"/>
-          </a:xfrm>
-          <a:prstGeom prst="rect">
-            <a:avLst/>
-          </a:prstGeom>
-        </p:spPr>
-        <p:txBody>
-          <a:bodyPr spcFirstLastPara="1" wrap="square" lIns="91425" tIns="91425" rIns="91425" bIns="91425" anchor="t" anchorCtr="0">
-            <a:noAutofit/>
-          </a:bodyPr>
-          <a:lstStyle/>
-          <a:p>
-            <a:pPr marL="0" lvl="0" indent="0" algn="l" rtl="0">
-              <a:spcBef>
-                <a:spcPts val="0"/>
-              </a:spcBef>
-              <a:spcAft>
-                <a:spcPts val="0"/>
-              </a:spcAft>
-              <a:buNone/>
-            </a:pPr>
-            <a:endParaRPr/>
-          </a:p>
-        </p:txBody>
-      </p:sp>
-      <p:sp>
-        <p:nvSpPr>
-          <p:cNvPr id="254" name="Google Shape;254;p22:notes"/>
-          <p:cNvSpPr>
-            <a:spLocks noGrp="1" noRot="1" noChangeAspect="1"/>
-          </p:cNvSpPr>
-          <p:nvPr>
-            <p:ph type="sldImg" idx="2"/>
-          </p:nvPr>
-        </p:nvSpPr>
-        <p:spPr>
-          <a:xfrm>
-            <a:off x="381000" y="685800"/>
-            <a:ext cx="6096000" cy="3429000"/>
-          </a:xfrm>
-          <a:custGeom>
-            <a:avLst/>
-            <a:gdLst/>
-            <a:ahLst/>
-            <a:cxnLst/>
-            <a:rect l="l" t="t" r="r" b="b"/>
-            <a:pathLst>
-              <a:path w="120000" h="120000" extrusionOk="0">
-                <a:moveTo>
-                  <a:pt x="0" y="0"/>
-                </a:moveTo>
-                <a:lnTo>
-                  <a:pt x="120000" y="0"/>
-                </a:lnTo>
-                <a:lnTo>
-                  <a:pt x="120000" y="120000"/>
-                </a:lnTo>
-                <a:lnTo>
-                  <a:pt x="0" y="120000"/>
-                </a:lnTo>
-                <a:close/>
-              </a:path>
-            </a:pathLst>
-          </a:custGeom>
-        </p:spPr>
-      </p:sp>
-    </p:spTree>
-  </p:cSld>
-  <p:clrMapOvr>
-    <a:masterClrMapping/>
-  </p:clrMapOvr>
-</p:notes>
-</file>
-
-<file path=ppt/notesSlides/notesSlide23.xml><?xml version="1.0" encoding="utf-8"?>
+<file path=ppt/notesSlides/notesSlide21.xml><?xml version="1.0" encoding="utf-8"?>
 <p:notes xmlns:a="http://schemas.openxmlformats.org/drawingml/2006/main" xmlns:r="http://schemas.openxmlformats.org/officeDocument/2006/relationships" xmlns:p="http://schemas.openxmlformats.org/presentationml/2006/main" showMasterSp="0" showMasterPhAnim="0">
   <p:cSld>
     <p:spTree>
@@ -2378,7 +2168,7 @@
 </p:notes>
 </file>
 
-<file path=ppt/notesSlides/notesSlide24.xml><?xml version="1.0" encoding="utf-8"?>
+<file path=ppt/notesSlides/notesSlide22.xml><?xml version="1.0" encoding="utf-8"?>
 <p:notes xmlns:a="http://schemas.openxmlformats.org/drawingml/2006/main" xmlns:r="http://schemas.openxmlformats.org/officeDocument/2006/relationships" xmlns:p="http://schemas.openxmlformats.org/presentationml/2006/main" showMasterSp="0" showMasterPhAnim="0">
   <p:cSld>
     <p:spTree>
@@ -2482,7 +2272,7 @@
 </p:notes>
 </file>
 
-<file path=ppt/notesSlides/notesSlide25.xml><?xml version="1.0" encoding="utf-8"?>
+<file path=ppt/notesSlides/notesSlide23.xml><?xml version="1.0" encoding="utf-8"?>
 <p:notes xmlns:a="http://schemas.openxmlformats.org/drawingml/2006/main" xmlns:r="http://schemas.openxmlformats.org/officeDocument/2006/relationships" xmlns:p="http://schemas.openxmlformats.org/presentationml/2006/main" showMasterSp="0" showMasterPhAnim="0">
   <p:cSld>
     <p:spTree>
@@ -15601,8 +15391,8 @@
         </p:blipFill>
         <p:spPr>
           <a:xfrm rot="5400000">
-            <a:off x="3104800" y="-61763"/>
-            <a:ext cx="5627300" cy="7786626"/>
+            <a:off x="3285809" y="-2140298"/>
+            <a:ext cx="5546691" cy="11716377"/>
           </a:xfrm>
           <a:prstGeom prst="rect">
             <a:avLst/>
@@ -17247,7 +17037,7 @@
               <a:buNone/>
             </a:pPr>
             <a:r>
-              <a:rPr lang="en-US" sz="2400">
+              <a:rPr lang="en-US" sz="2400" dirty="0" err="1">
                 <a:solidFill>
                   <a:schemeClr val="dk1"/>
                 </a:solidFill>
@@ -17256,9 +17046,189 @@
                 <a:cs typeface="Times New Roman"/>
                 <a:sym typeface="Times New Roman"/>
               </a:rPr>
-              <a:t>Thống kê phổ điểm môn Tin học cơ sở 4 của K62</a:t>
-            </a:r>
-            <a:endParaRPr sz="2400">
+              <a:t>Thống</a:t>
+            </a:r>
+            <a:r>
+              <a:rPr lang="en-US" sz="2400" dirty="0">
+                <a:solidFill>
+                  <a:schemeClr val="dk1"/>
+                </a:solidFill>
+                <a:latin typeface="Times New Roman"/>
+                <a:ea typeface="Times New Roman"/>
+                <a:cs typeface="Times New Roman"/>
+                <a:sym typeface="Times New Roman"/>
+              </a:rPr>
+              <a:t> </a:t>
+            </a:r>
+            <a:r>
+              <a:rPr lang="en-US" sz="2400" dirty="0" err="1">
+                <a:solidFill>
+                  <a:schemeClr val="dk1"/>
+                </a:solidFill>
+                <a:latin typeface="Times New Roman"/>
+                <a:ea typeface="Times New Roman"/>
+                <a:cs typeface="Times New Roman"/>
+                <a:sym typeface="Times New Roman"/>
+              </a:rPr>
+              <a:t>kê</a:t>
+            </a:r>
+            <a:r>
+              <a:rPr lang="en-US" sz="2400" dirty="0">
+                <a:solidFill>
+                  <a:schemeClr val="dk1"/>
+                </a:solidFill>
+                <a:latin typeface="Times New Roman"/>
+                <a:ea typeface="Times New Roman"/>
+                <a:cs typeface="Times New Roman"/>
+                <a:sym typeface="Times New Roman"/>
+              </a:rPr>
+              <a:t> </a:t>
+            </a:r>
+            <a:r>
+              <a:rPr lang="en-US" sz="2400" dirty="0" err="1">
+                <a:solidFill>
+                  <a:schemeClr val="dk1"/>
+                </a:solidFill>
+                <a:latin typeface="Times New Roman"/>
+                <a:ea typeface="Times New Roman"/>
+                <a:cs typeface="Times New Roman"/>
+                <a:sym typeface="Times New Roman"/>
+              </a:rPr>
+              <a:t>phổ</a:t>
+            </a:r>
+            <a:r>
+              <a:rPr lang="en-US" sz="2400" dirty="0">
+                <a:solidFill>
+                  <a:schemeClr val="dk1"/>
+                </a:solidFill>
+                <a:latin typeface="Times New Roman"/>
+                <a:ea typeface="Times New Roman"/>
+                <a:cs typeface="Times New Roman"/>
+                <a:sym typeface="Times New Roman"/>
+              </a:rPr>
+              <a:t> </a:t>
+            </a:r>
+            <a:r>
+              <a:rPr lang="en-US" sz="2400" dirty="0" err="1">
+                <a:solidFill>
+                  <a:schemeClr val="dk1"/>
+                </a:solidFill>
+                <a:latin typeface="Times New Roman"/>
+                <a:ea typeface="Times New Roman"/>
+                <a:cs typeface="Times New Roman"/>
+                <a:sym typeface="Times New Roman"/>
+              </a:rPr>
+              <a:t>điểm</a:t>
+            </a:r>
+            <a:r>
+              <a:rPr lang="en-US" sz="2400" dirty="0">
+                <a:solidFill>
+                  <a:schemeClr val="dk1"/>
+                </a:solidFill>
+                <a:latin typeface="Times New Roman"/>
+                <a:ea typeface="Times New Roman"/>
+                <a:cs typeface="Times New Roman"/>
+                <a:sym typeface="Times New Roman"/>
+              </a:rPr>
+              <a:t> </a:t>
+            </a:r>
+            <a:r>
+              <a:rPr lang="en-US" sz="2400" dirty="0" err="1">
+                <a:solidFill>
+                  <a:schemeClr val="dk1"/>
+                </a:solidFill>
+                <a:latin typeface="Times New Roman"/>
+                <a:ea typeface="Times New Roman"/>
+                <a:cs typeface="Times New Roman"/>
+                <a:sym typeface="Times New Roman"/>
+              </a:rPr>
+              <a:t>môn</a:t>
+            </a:r>
+            <a:r>
+              <a:rPr lang="en-US" sz="2400" dirty="0">
+                <a:solidFill>
+                  <a:schemeClr val="dk1"/>
+                </a:solidFill>
+                <a:latin typeface="Times New Roman"/>
+                <a:ea typeface="Times New Roman"/>
+                <a:cs typeface="Times New Roman"/>
+                <a:sym typeface="Times New Roman"/>
+              </a:rPr>
+              <a:t> </a:t>
+            </a:r>
+            <a:r>
+              <a:rPr lang="en-US" sz="2400" dirty="0" err="1">
+                <a:solidFill>
+                  <a:schemeClr val="dk1"/>
+                </a:solidFill>
+                <a:latin typeface="Times New Roman"/>
+                <a:ea typeface="Times New Roman"/>
+                <a:cs typeface="Times New Roman"/>
+                <a:sym typeface="Times New Roman"/>
+              </a:rPr>
+              <a:t>Cơ</a:t>
+            </a:r>
+            <a:r>
+              <a:rPr lang="en-US" sz="2400" dirty="0">
+                <a:solidFill>
+                  <a:schemeClr val="dk1"/>
+                </a:solidFill>
+                <a:latin typeface="Times New Roman"/>
+                <a:ea typeface="Times New Roman"/>
+                <a:cs typeface="Times New Roman"/>
+                <a:sym typeface="Times New Roman"/>
+              </a:rPr>
+              <a:t> </a:t>
+            </a:r>
+            <a:r>
+              <a:rPr lang="en-US" sz="2400" dirty="0" err="1">
+                <a:solidFill>
+                  <a:schemeClr val="dk1"/>
+                </a:solidFill>
+                <a:latin typeface="Times New Roman"/>
+                <a:ea typeface="Times New Roman"/>
+                <a:cs typeface="Times New Roman"/>
+                <a:sym typeface="Times New Roman"/>
+              </a:rPr>
+              <a:t>nhiệt</a:t>
+            </a:r>
+            <a:r>
+              <a:rPr lang="en-US" sz="2400" dirty="0">
+                <a:solidFill>
+                  <a:schemeClr val="dk1"/>
+                </a:solidFill>
+                <a:latin typeface="Times New Roman"/>
+                <a:ea typeface="Times New Roman"/>
+                <a:cs typeface="Times New Roman"/>
+                <a:sym typeface="Times New Roman"/>
+              </a:rPr>
+              <a:t> </a:t>
+            </a:r>
+            <a:r>
+              <a:rPr lang="en-US" sz="2400" dirty="0" err="1">
+                <a:solidFill>
+                  <a:schemeClr val="dk1"/>
+                </a:solidFill>
+                <a:latin typeface="Times New Roman"/>
+                <a:ea typeface="Times New Roman"/>
+                <a:cs typeface="Times New Roman"/>
+                <a:sym typeface="Times New Roman"/>
+              </a:rPr>
+              <a:t>của</a:t>
+            </a:r>
+            <a:r>
+              <a:rPr lang="en-US" sz="2400" dirty="0">
+                <a:solidFill>
+                  <a:schemeClr val="dk1"/>
+                </a:solidFill>
+                <a:latin typeface="Times New Roman"/>
+                <a:ea typeface="Times New Roman"/>
+                <a:cs typeface="Times New Roman"/>
+                <a:sym typeface="Times New Roman"/>
+              </a:rPr>
+              <a:t> K60</a:t>
+            </a:r>
+            <a:endParaRPr sz="2400" dirty="0">
               <a:latin typeface="Times New Roman"/>
               <a:ea typeface="Times New Roman"/>
               <a:cs typeface="Times New Roman"/>
@@ -17267,33 +17237,6 @@
           </a:p>
         </p:txBody>
       </p:sp>
-      <p:pic>
-        <p:nvPicPr>
-          <p:cNvPr id="202" name="Google Shape;202;p27"/>
-          <p:cNvPicPr preferRelativeResize="0"/>
-          <p:nvPr/>
-        </p:nvPicPr>
-        <p:blipFill rotWithShape="1">
-          <a:blip r:embed="rId3">
-            <a:alphaModFix/>
-          </a:blip>
-          <a:srcRect/>
-          <a:stretch/>
-        </p:blipFill>
-        <p:spPr>
-          <a:xfrm>
-            <a:off x="3082342" y="1348229"/>
-            <a:ext cx="5143038" cy="5025349"/>
-          </a:xfrm>
-          <a:prstGeom prst="rect">
-            <a:avLst/>
-          </a:prstGeom>
-          <a:noFill/>
-          <a:ln>
-            <a:noFill/>
-          </a:ln>
-        </p:spPr>
-      </p:pic>
       <p:sp>
         <p:nvSpPr>
           <p:cNvPr id="6" name="Google Shape;117;p17">
@@ -17358,6 +17301,36 @@
           </a:p>
         </p:txBody>
       </p:sp>
+      <p:pic>
+        <p:nvPicPr>
+          <p:cNvPr id="5" name="Picture 4">
+            <a:extLst>
+              <a:ext uri="{FF2B5EF4-FFF2-40B4-BE49-F238E27FC236}">
+                <a16:creationId xmlns:a16="http://schemas.microsoft.com/office/drawing/2014/main" id="{0B4BADB4-BAC7-4AF0-A034-DB65F5B284AF}"/>
+              </a:ext>
+            </a:extLst>
+          </p:cNvPr>
+          <p:cNvPicPr>
+            <a:picLocks noChangeAspect="1"/>
+          </p:cNvPicPr>
+          <p:nvPr/>
+        </p:nvPicPr>
+        <p:blipFill>
+          <a:blip r:embed="rId3"/>
+          <a:stretch>
+            <a:fillRect/>
+          </a:stretch>
+        </p:blipFill>
+        <p:spPr>
+          <a:xfrm>
+            <a:off x="4022706" y="1299750"/>
+            <a:ext cx="3791479" cy="5068007"/>
+          </a:xfrm>
+          <a:prstGeom prst="rect">
+            <a:avLst/>
+          </a:prstGeom>
+        </p:spPr>
+      </p:pic>
     </p:spTree>
   </p:cSld>
   <p:clrMapOvr>
@@ -17599,246 +17572,6 @@
 </file>
 
 <file path=ppt/slides/slide17.xml><?xml version="1.0" encoding="utf-8"?>
-<p:sld xmlns:a="http://schemas.openxmlformats.org/drawingml/2006/main" xmlns:r="http://schemas.openxmlformats.org/officeDocument/2006/relationships" xmlns:p="http://schemas.openxmlformats.org/presentationml/2006/main">
-  <p:cSld>
-    <p:spTree>
-      <p:nvGrpSpPr>
-        <p:cNvPr id="1" name="Shape 215"/>
-        <p:cNvGrpSpPr/>
-        <p:nvPr/>
-      </p:nvGrpSpPr>
-      <p:grpSpPr>
-        <a:xfrm>
-          <a:off x="0" y="0"/>
-          <a:ext cx="0" cy="0"/>
-          <a:chOff x="0" y="0"/>
-          <a:chExt cx="0" cy="0"/>
-        </a:xfrm>
-      </p:grpSpPr>
-      <p:sp>
-        <p:nvSpPr>
-          <p:cNvPr id="216" name="Google Shape;216;p29"/>
-          <p:cNvSpPr txBox="1"/>
-          <p:nvPr/>
-        </p:nvSpPr>
-        <p:spPr>
-          <a:xfrm>
-            <a:off x="1346446" y="0"/>
-            <a:ext cx="9144000" cy="727969"/>
-          </a:xfrm>
-          <a:prstGeom prst="rect">
-            <a:avLst/>
-          </a:prstGeom>
-          <a:noFill/>
-          <a:ln>
-            <a:noFill/>
-          </a:ln>
-        </p:spPr>
-        <p:txBody>
-          <a:bodyPr spcFirstLastPara="1" wrap="square" lIns="91425" tIns="45700" rIns="91425" bIns="45700" anchor="b" anchorCtr="0">
-            <a:normAutofit/>
-          </a:bodyPr>
-          <a:lstStyle/>
-          <a:p>
-            <a:pPr marL="0" marR="0" lvl="0" indent="0" algn="l" rtl="0">
-              <a:lnSpc>
-                <a:spcPct val="90000"/>
-              </a:lnSpc>
-              <a:spcBef>
-                <a:spcPts val="0"/>
-              </a:spcBef>
-              <a:spcAft>
-                <a:spcPts val="0"/>
-              </a:spcAft>
-              <a:buClr>
-                <a:schemeClr val="dk1"/>
-              </a:buClr>
-              <a:buSzPts val="4000"/>
-              <a:buFont typeface="Times New Roman"/>
-              <a:buNone/>
-            </a:pPr>
-            <a:r>
-              <a:rPr lang="en-US" sz="4000">
-                <a:solidFill>
-                  <a:schemeClr val="dk1"/>
-                </a:solidFill>
-                <a:latin typeface="Times New Roman"/>
-                <a:ea typeface="Times New Roman"/>
-                <a:cs typeface="Times New Roman"/>
-                <a:sym typeface="Times New Roman"/>
-              </a:rPr>
-              <a:t>2. Hướng giải quyết</a:t>
-            </a:r>
-            <a:endParaRPr sz="4000">
-              <a:solidFill>
-                <a:schemeClr val="dk1"/>
-              </a:solidFill>
-              <a:latin typeface="Times New Roman"/>
-              <a:ea typeface="Times New Roman"/>
-              <a:cs typeface="Times New Roman"/>
-              <a:sym typeface="Times New Roman"/>
-            </a:endParaRPr>
-          </a:p>
-        </p:txBody>
-      </p:sp>
-      <p:sp>
-        <p:nvSpPr>
-          <p:cNvPr id="217" name="Google Shape;217;p29"/>
-          <p:cNvSpPr txBox="1"/>
-          <p:nvPr/>
-        </p:nvSpPr>
-        <p:spPr>
-          <a:xfrm>
-            <a:off x="1346450" y="727975"/>
-            <a:ext cx="7372800" cy="461700"/>
-          </a:xfrm>
-          <a:prstGeom prst="rect">
-            <a:avLst/>
-          </a:prstGeom>
-          <a:noFill/>
-          <a:ln>
-            <a:noFill/>
-          </a:ln>
-        </p:spPr>
-        <p:txBody>
-          <a:bodyPr spcFirstLastPara="1" wrap="square" lIns="91425" tIns="45700" rIns="91425" bIns="45700" anchor="t" anchorCtr="0">
-            <a:spAutoFit/>
-          </a:bodyPr>
-          <a:lstStyle/>
-          <a:p>
-            <a:pPr marL="0" marR="0" lvl="0" indent="0" algn="l" rtl="0">
-              <a:spcBef>
-                <a:spcPts val="0"/>
-              </a:spcBef>
-              <a:spcAft>
-                <a:spcPts val="0"/>
-              </a:spcAft>
-              <a:buNone/>
-            </a:pPr>
-            <a:r>
-              <a:rPr lang="en-US" sz="2400">
-                <a:solidFill>
-                  <a:schemeClr val="dk1"/>
-                </a:solidFill>
-                <a:latin typeface="Times New Roman"/>
-                <a:ea typeface="Times New Roman"/>
-                <a:cs typeface="Times New Roman"/>
-                <a:sym typeface="Times New Roman"/>
-              </a:rPr>
-              <a:t>Các môn học gợi ý cho sinh viên K63 cho kỳ học tiếp theo</a:t>
-            </a:r>
-            <a:endParaRPr sz="2400">
-              <a:solidFill>
-                <a:schemeClr val="dk1"/>
-              </a:solidFill>
-              <a:latin typeface="Times New Roman"/>
-              <a:ea typeface="Times New Roman"/>
-              <a:cs typeface="Times New Roman"/>
-              <a:sym typeface="Times New Roman"/>
-            </a:endParaRPr>
-          </a:p>
-        </p:txBody>
-      </p:sp>
-      <p:pic>
-        <p:nvPicPr>
-          <p:cNvPr id="218" name="Google Shape;218;p29"/>
-          <p:cNvPicPr preferRelativeResize="0"/>
-          <p:nvPr/>
-        </p:nvPicPr>
-        <p:blipFill rotWithShape="1">
-          <a:blip r:embed="rId3">
-            <a:alphaModFix/>
-          </a:blip>
-          <a:srcRect/>
-          <a:stretch/>
-        </p:blipFill>
-        <p:spPr>
-          <a:xfrm>
-            <a:off x="3117705" y="1455938"/>
-            <a:ext cx="5601482" cy="5020376"/>
-          </a:xfrm>
-          <a:prstGeom prst="rect">
-            <a:avLst/>
-          </a:prstGeom>
-          <a:noFill/>
-          <a:ln>
-            <a:noFill/>
-          </a:ln>
-        </p:spPr>
-      </p:pic>
-      <p:sp>
-        <p:nvSpPr>
-          <p:cNvPr id="6" name="Google Shape;117;p17">
-            <a:extLst>
-              <a:ext uri="{FF2B5EF4-FFF2-40B4-BE49-F238E27FC236}">
-                <a16:creationId xmlns:a16="http://schemas.microsoft.com/office/drawing/2014/main" id="{C746F97A-C5C4-446E-A465-E2DA278547D8}"/>
-              </a:ext>
-            </a:extLst>
-          </p:cNvPr>
-          <p:cNvSpPr txBox="1">
-            <a:spLocks noGrp="1"/>
-          </p:cNvSpPr>
-          <p:nvPr>
-            <p:ph type="sldNum" idx="12"/>
-          </p:nvPr>
-        </p:nvSpPr>
-        <p:spPr>
-          <a:xfrm>
-            <a:off x="8610600" y="6356350"/>
-            <a:ext cx="2743200" cy="365100"/>
-          </a:xfrm>
-          <a:prstGeom prst="rect">
-            <a:avLst/>
-          </a:prstGeom>
-        </p:spPr>
-        <p:txBody>
-          <a:bodyPr spcFirstLastPara="1" wrap="square" lIns="91425" tIns="45700" rIns="91425" bIns="45700" anchor="ctr" anchorCtr="0">
-            <a:noAutofit/>
-          </a:bodyPr>
-          <a:lstStyle/>
-          <a:p>
-            <a:pPr marL="0" lvl="0" indent="0" algn="r" rtl="0">
-              <a:spcBef>
-                <a:spcPts val="0"/>
-              </a:spcBef>
-              <a:spcAft>
-                <a:spcPts val="0"/>
-              </a:spcAft>
-              <a:buClr>
-                <a:srgbClr val="000000"/>
-              </a:buClr>
-              <a:buFont typeface="Arial"/>
-              <a:buNone/>
-            </a:pPr>
-            <a:fld id="{00000000-1234-1234-1234-123412341234}" type="slidenum">
-              <a:rPr lang="en-US" sz="1600">
-                <a:solidFill>
-                  <a:schemeClr val="tx1"/>
-                </a:solidFill>
-                <a:latin typeface="Times New Roman" panose="02020603050405020304" pitchFamily="18" charset="0"/>
-                <a:cs typeface="Times New Roman" panose="02020603050405020304" pitchFamily="18" charset="0"/>
-              </a:rPr>
-              <a:t>17</a:t>
-            </a:fld>
-            <a:endParaRPr sz="1600" dirty="0">
-              <a:solidFill>
-                <a:schemeClr val="tx1"/>
-              </a:solidFill>
-              <a:latin typeface="Times New Roman" panose="02020603050405020304" pitchFamily="18" charset="0"/>
-              <a:cs typeface="Times New Roman" panose="02020603050405020304" pitchFamily="18" charset="0"/>
-            </a:endParaRPr>
-          </a:p>
-        </p:txBody>
-      </p:sp>
-    </p:spTree>
-  </p:cSld>
-  <p:clrMapOvr>
-    <a:masterClrMapping/>
-  </p:clrMapOvr>
-</p:sld>
-</file>
-
-<file path=ppt/slides/slide18.xml><?xml version="1.0" encoding="utf-8"?>
 <p:sld xmlns:a="http://schemas.openxmlformats.org/drawingml/2006/main" xmlns:r="http://schemas.openxmlformats.org/officeDocument/2006/relationships" xmlns:p="http://schemas.openxmlformats.org/presentationml/2006/main">
   <p:cSld>
     <p:spTree>
@@ -18063,7 +17796,7 @@
                 <a:latin typeface="Times New Roman" panose="02020603050405020304" pitchFamily="18" charset="0"/>
                 <a:cs typeface="Times New Roman" panose="02020603050405020304" pitchFamily="18" charset="0"/>
               </a:rPr>
-              <a:t>18</a:t>
+              <a:t>17</a:t>
             </a:fld>
             <a:endParaRPr sz="1600" dirty="0">
               <a:solidFill>
@@ -18083,7 +17816,7 @@
 </p:sld>
 </file>
 
-<file path=ppt/slides/slide19.xml><?xml version="1.0" encoding="utf-8"?>
+<file path=ppt/slides/slide18.xml><?xml version="1.0" encoding="utf-8"?>
 <p:sld xmlns:a="http://schemas.openxmlformats.org/drawingml/2006/main" xmlns:r="http://schemas.openxmlformats.org/officeDocument/2006/relationships" xmlns:p="http://schemas.openxmlformats.org/presentationml/2006/main">
   <p:cSld>
     <p:spTree>
@@ -18309,6 +18042,386 @@
                 <a:latin typeface="Times New Roman" panose="02020603050405020304" pitchFamily="18" charset="0"/>
                 <a:cs typeface="Times New Roman" panose="02020603050405020304" pitchFamily="18" charset="0"/>
               </a:rPr>
+              <a:t>18</a:t>
+            </a:fld>
+            <a:endParaRPr sz="1600" dirty="0">
+              <a:solidFill>
+                <a:schemeClr val="tx1"/>
+              </a:solidFill>
+              <a:latin typeface="Times New Roman" panose="02020603050405020304" pitchFamily="18" charset="0"/>
+              <a:cs typeface="Times New Roman" panose="02020603050405020304" pitchFamily="18" charset="0"/>
+            </a:endParaRPr>
+          </a:p>
+        </p:txBody>
+      </p:sp>
+    </p:spTree>
+  </p:cSld>
+  <p:clrMapOvr>
+    <a:masterClrMapping/>
+  </p:clrMapOvr>
+</p:sld>
+</file>
+
+<file path=ppt/slides/slide19.xml><?xml version="1.0" encoding="utf-8"?>
+<p:sld xmlns:a="http://schemas.openxmlformats.org/drawingml/2006/main" xmlns:r="http://schemas.openxmlformats.org/officeDocument/2006/relationships" xmlns:p="http://schemas.openxmlformats.org/presentationml/2006/main">
+  <p:cSld>
+    <p:spTree>
+      <p:nvGrpSpPr>
+        <p:cNvPr id="1" name="Shape 239"/>
+        <p:cNvGrpSpPr/>
+        <p:nvPr/>
+      </p:nvGrpSpPr>
+      <p:grpSpPr>
+        <a:xfrm>
+          <a:off x="0" y="0"/>
+          <a:ext cx="0" cy="0"/>
+          <a:chOff x="0" y="0"/>
+          <a:chExt cx="0" cy="0"/>
+        </a:xfrm>
+      </p:grpSpPr>
+      <p:pic>
+        <p:nvPicPr>
+          <p:cNvPr id="3" name="Picture 2">
+            <a:extLst>
+              <a:ext uri="{FF2B5EF4-FFF2-40B4-BE49-F238E27FC236}">
+                <a16:creationId xmlns:a16="http://schemas.microsoft.com/office/drawing/2014/main" id="{761F99DE-726A-40D2-AC74-183FFCD7273A}"/>
+              </a:ext>
+            </a:extLst>
+          </p:cNvPr>
+          <p:cNvPicPr>
+            <a:picLocks noChangeAspect="1"/>
+          </p:cNvPicPr>
+          <p:nvPr/>
+        </p:nvPicPr>
+        <p:blipFill>
+          <a:blip r:embed="rId3"/>
+          <a:stretch>
+            <a:fillRect/>
+          </a:stretch>
+        </p:blipFill>
+        <p:spPr>
+          <a:xfrm>
+            <a:off x="2413862" y="1221998"/>
+            <a:ext cx="7364276" cy="5565398"/>
+          </a:xfrm>
+          <a:prstGeom prst="rect">
+            <a:avLst/>
+          </a:prstGeom>
+        </p:spPr>
+      </p:pic>
+      <p:sp>
+        <p:nvSpPr>
+          <p:cNvPr id="240" name="Google Shape;240;p32"/>
+          <p:cNvSpPr txBox="1">
+            <a:spLocks noGrp="1"/>
+          </p:cNvSpPr>
+          <p:nvPr>
+            <p:ph type="subTitle" idx="1"/>
+          </p:nvPr>
+        </p:nvSpPr>
+        <p:spPr>
+          <a:xfrm>
+            <a:off x="1346446" y="940148"/>
+            <a:ext cx="5955000" cy="563700"/>
+          </a:xfrm>
+          <a:prstGeom prst="rect">
+            <a:avLst/>
+          </a:prstGeom>
+          <a:noFill/>
+          <a:ln>
+            <a:noFill/>
+          </a:ln>
+        </p:spPr>
+        <p:txBody>
+          <a:bodyPr spcFirstLastPara="1" wrap="square" lIns="91425" tIns="45700" rIns="91425" bIns="45700" anchor="t" anchorCtr="0">
+            <a:normAutofit/>
+          </a:bodyPr>
+          <a:lstStyle/>
+          <a:p>
+            <a:pPr marL="0" lvl="0" indent="0" algn="ctr" rtl="0">
+              <a:lnSpc>
+                <a:spcPct val="90000"/>
+              </a:lnSpc>
+              <a:spcBef>
+                <a:spcPts val="0"/>
+              </a:spcBef>
+              <a:spcAft>
+                <a:spcPts val="0"/>
+              </a:spcAft>
+              <a:buClr>
+                <a:schemeClr val="dk1"/>
+              </a:buClr>
+              <a:buSzPts val="2400"/>
+              <a:buNone/>
+            </a:pPr>
+            <a:r>
+              <a:rPr lang="en-US">
+                <a:latin typeface="Times New Roman"/>
+                <a:ea typeface="Times New Roman"/>
+                <a:cs typeface="Times New Roman"/>
+                <a:sym typeface="Times New Roman"/>
+              </a:rPr>
+              <a:t>Kết quả tính năng thống kê phổ điểm môn học</a:t>
+            </a:r>
+            <a:endParaRPr>
+              <a:latin typeface="Times New Roman"/>
+              <a:ea typeface="Times New Roman"/>
+              <a:cs typeface="Times New Roman"/>
+              <a:sym typeface="Times New Roman"/>
+            </a:endParaRPr>
+          </a:p>
+        </p:txBody>
+      </p:sp>
+      <p:sp>
+        <p:nvSpPr>
+          <p:cNvPr id="241" name="Google Shape;241;p32"/>
+          <p:cNvSpPr txBox="1"/>
+          <p:nvPr/>
+        </p:nvSpPr>
+        <p:spPr>
+          <a:xfrm>
+            <a:off x="1346446" y="0"/>
+            <a:ext cx="9144000" cy="728100"/>
+          </a:xfrm>
+          <a:prstGeom prst="rect">
+            <a:avLst/>
+          </a:prstGeom>
+          <a:noFill/>
+          <a:ln>
+            <a:noFill/>
+          </a:ln>
+        </p:spPr>
+        <p:txBody>
+          <a:bodyPr spcFirstLastPara="1" wrap="square" lIns="91425" tIns="45700" rIns="91425" bIns="45700" anchor="b" anchorCtr="0">
+            <a:normAutofit/>
+          </a:bodyPr>
+          <a:lstStyle/>
+          <a:p>
+            <a:pPr marL="0" marR="0" lvl="0" indent="0" algn="l" rtl="0">
+              <a:lnSpc>
+                <a:spcPct val="90000"/>
+              </a:lnSpc>
+              <a:spcBef>
+                <a:spcPts val="0"/>
+              </a:spcBef>
+              <a:spcAft>
+                <a:spcPts val="0"/>
+              </a:spcAft>
+              <a:buClr>
+                <a:schemeClr val="dk1"/>
+              </a:buClr>
+              <a:buSzPts val="4000"/>
+              <a:buFont typeface="Times New Roman"/>
+              <a:buNone/>
+            </a:pPr>
+            <a:r>
+              <a:rPr lang="en-US" sz="4000" dirty="0">
+                <a:solidFill>
+                  <a:schemeClr val="dk1"/>
+                </a:solidFill>
+                <a:latin typeface="Times New Roman"/>
+                <a:ea typeface="Times New Roman"/>
+                <a:cs typeface="Times New Roman"/>
+                <a:sym typeface="Times New Roman"/>
+              </a:rPr>
+              <a:t>3. </a:t>
+            </a:r>
+            <a:r>
+              <a:rPr lang="en-US" sz="4000" dirty="0" err="1">
+                <a:solidFill>
+                  <a:schemeClr val="dk1"/>
+                </a:solidFill>
+                <a:latin typeface="Times New Roman"/>
+                <a:ea typeface="Times New Roman"/>
+                <a:cs typeface="Times New Roman"/>
+                <a:sym typeface="Times New Roman"/>
+              </a:rPr>
+              <a:t>Cách</a:t>
+            </a:r>
+            <a:r>
+              <a:rPr lang="en-US" sz="4000" dirty="0">
+                <a:solidFill>
+                  <a:schemeClr val="dk1"/>
+                </a:solidFill>
+                <a:latin typeface="Times New Roman"/>
+                <a:ea typeface="Times New Roman"/>
+                <a:cs typeface="Times New Roman"/>
+                <a:sym typeface="Times New Roman"/>
+              </a:rPr>
+              <a:t> </a:t>
+            </a:r>
+            <a:r>
+              <a:rPr lang="en-US" sz="4000" dirty="0" err="1">
+                <a:solidFill>
+                  <a:schemeClr val="dk1"/>
+                </a:solidFill>
+                <a:latin typeface="Times New Roman"/>
+                <a:ea typeface="Times New Roman"/>
+                <a:cs typeface="Times New Roman"/>
+                <a:sym typeface="Times New Roman"/>
+              </a:rPr>
+              <a:t>thực</a:t>
+            </a:r>
+            <a:r>
+              <a:rPr lang="en-US" sz="4000" dirty="0">
+                <a:solidFill>
+                  <a:schemeClr val="dk1"/>
+                </a:solidFill>
+                <a:latin typeface="Times New Roman"/>
+                <a:ea typeface="Times New Roman"/>
+                <a:cs typeface="Times New Roman"/>
+                <a:sym typeface="Times New Roman"/>
+              </a:rPr>
+              <a:t> </a:t>
+            </a:r>
+            <a:r>
+              <a:rPr lang="en-US" sz="4000" dirty="0" err="1">
+                <a:solidFill>
+                  <a:schemeClr val="dk1"/>
+                </a:solidFill>
+                <a:latin typeface="Times New Roman"/>
+                <a:ea typeface="Times New Roman"/>
+                <a:cs typeface="Times New Roman"/>
+                <a:sym typeface="Times New Roman"/>
+              </a:rPr>
+              <a:t>hiện</a:t>
+            </a:r>
+            <a:r>
+              <a:rPr lang="en-US" sz="4000" dirty="0">
+                <a:solidFill>
+                  <a:schemeClr val="dk1"/>
+                </a:solidFill>
+                <a:latin typeface="Times New Roman"/>
+                <a:ea typeface="Times New Roman"/>
+                <a:cs typeface="Times New Roman"/>
+                <a:sym typeface="Times New Roman"/>
+              </a:rPr>
+              <a:t> </a:t>
+            </a:r>
+            <a:r>
+              <a:rPr lang="en-US" sz="4000" dirty="0" err="1">
+                <a:solidFill>
+                  <a:schemeClr val="dk1"/>
+                </a:solidFill>
+                <a:latin typeface="Times New Roman"/>
+                <a:ea typeface="Times New Roman"/>
+                <a:cs typeface="Times New Roman"/>
+                <a:sym typeface="Times New Roman"/>
+              </a:rPr>
+              <a:t>và</a:t>
+            </a:r>
+            <a:r>
+              <a:rPr lang="en-US" sz="4000" dirty="0">
+                <a:solidFill>
+                  <a:schemeClr val="dk1"/>
+                </a:solidFill>
+                <a:latin typeface="Times New Roman"/>
+                <a:ea typeface="Times New Roman"/>
+                <a:cs typeface="Times New Roman"/>
+                <a:sym typeface="Times New Roman"/>
+              </a:rPr>
+              <a:t> </a:t>
+            </a:r>
+            <a:r>
+              <a:rPr lang="en-US" sz="4000" dirty="0" err="1">
+                <a:solidFill>
+                  <a:schemeClr val="dk1"/>
+                </a:solidFill>
+                <a:latin typeface="Times New Roman"/>
+                <a:ea typeface="Times New Roman"/>
+                <a:cs typeface="Times New Roman"/>
+                <a:sym typeface="Times New Roman"/>
+              </a:rPr>
+              <a:t>kết</a:t>
+            </a:r>
+            <a:r>
+              <a:rPr lang="en-US" sz="4000" dirty="0">
+                <a:solidFill>
+                  <a:schemeClr val="dk1"/>
+                </a:solidFill>
+                <a:latin typeface="Times New Roman"/>
+                <a:ea typeface="Times New Roman"/>
+                <a:cs typeface="Times New Roman"/>
+                <a:sym typeface="Times New Roman"/>
+              </a:rPr>
+              <a:t> </a:t>
+            </a:r>
+            <a:r>
+              <a:rPr lang="en-US" sz="4000" dirty="0" err="1">
+                <a:solidFill>
+                  <a:schemeClr val="dk1"/>
+                </a:solidFill>
+                <a:latin typeface="Times New Roman"/>
+                <a:ea typeface="Times New Roman"/>
+                <a:cs typeface="Times New Roman"/>
+                <a:sym typeface="Times New Roman"/>
+              </a:rPr>
+              <a:t>quả</a:t>
+            </a:r>
+            <a:endParaRPr sz="4000" dirty="0">
+              <a:solidFill>
+                <a:schemeClr val="dk1"/>
+              </a:solidFill>
+              <a:latin typeface="Times New Roman"/>
+              <a:ea typeface="Times New Roman"/>
+              <a:cs typeface="Times New Roman"/>
+              <a:sym typeface="Times New Roman"/>
+            </a:endParaRPr>
+          </a:p>
+        </p:txBody>
+      </p:sp>
+      <p:sp>
+        <p:nvSpPr>
+          <p:cNvPr id="6" name="Google Shape;117;p17">
+            <a:extLst>
+              <a:ext uri="{FF2B5EF4-FFF2-40B4-BE49-F238E27FC236}">
+                <a16:creationId xmlns:a16="http://schemas.microsoft.com/office/drawing/2014/main" id="{2709FC2D-5823-428E-811C-06A6E46E8295}"/>
+              </a:ext>
+            </a:extLst>
+          </p:cNvPr>
+          <p:cNvSpPr txBox="1">
+            <a:spLocks noGrp="1"/>
+          </p:cNvSpPr>
+          <p:nvPr>
+            <p:ph type="sldNum" idx="12"/>
+          </p:nvPr>
+        </p:nvSpPr>
+        <p:spPr>
+          <a:xfrm>
+            <a:off x="8610600" y="6356350"/>
+            <a:ext cx="2743200" cy="365100"/>
+          </a:xfrm>
+          <a:prstGeom prst="rect">
+            <a:avLst/>
+          </a:prstGeom>
+        </p:spPr>
+        <p:txBody>
+          <a:bodyPr spcFirstLastPara="1" wrap="square" lIns="91425" tIns="45700" rIns="91425" bIns="45700" anchor="ctr" anchorCtr="0">
+            <a:noAutofit/>
+          </a:bodyPr>
+          <a:lstStyle/>
+          <a:p>
+            <a:pPr marL="0" lvl="0" indent="0" algn="r" rtl="0">
+              <a:spcBef>
+                <a:spcPts val="0"/>
+              </a:spcBef>
+              <a:spcAft>
+                <a:spcPts val="0"/>
+              </a:spcAft>
+              <a:buClr>
+                <a:srgbClr val="000000"/>
+              </a:buClr>
+              <a:buFont typeface="Arial"/>
+              <a:buNone/>
+            </a:pPr>
+            <a:fld id="{00000000-1234-1234-1234-123412341234}" type="slidenum">
+              <a:rPr lang="en-US" sz="1600">
+                <a:solidFill>
+                  <a:schemeClr val="tx1"/>
+                </a:solidFill>
+                <a:latin typeface="Times New Roman" panose="02020603050405020304" pitchFamily="18" charset="0"/>
+                <a:cs typeface="Times New Roman" panose="02020603050405020304" pitchFamily="18" charset="0"/>
+              </a:rPr>
               <a:t>19</a:t>
             </a:fld>
             <a:endParaRPr sz="1600" dirty="0">
@@ -18827,251 +18940,6 @@
 </file>
 
 <file path=ppt/slides/slide20.xml><?xml version="1.0" encoding="utf-8"?>
-<p:sld xmlns:a="http://schemas.openxmlformats.org/drawingml/2006/main" xmlns:r="http://schemas.openxmlformats.org/officeDocument/2006/relationships" xmlns:p="http://schemas.openxmlformats.org/presentationml/2006/main">
-  <p:cSld>
-    <p:spTree>
-      <p:nvGrpSpPr>
-        <p:cNvPr id="1" name="Shape 239"/>
-        <p:cNvGrpSpPr/>
-        <p:nvPr/>
-      </p:nvGrpSpPr>
-      <p:grpSpPr>
-        <a:xfrm>
-          <a:off x="0" y="0"/>
-          <a:ext cx="0" cy="0"/>
-          <a:chOff x="0" y="0"/>
-          <a:chExt cx="0" cy="0"/>
-        </a:xfrm>
-      </p:grpSpPr>
-      <p:sp>
-        <p:nvSpPr>
-          <p:cNvPr id="240" name="Google Shape;240;p32"/>
-          <p:cNvSpPr txBox="1">
-            <a:spLocks noGrp="1"/>
-          </p:cNvSpPr>
-          <p:nvPr>
-            <p:ph type="subTitle" idx="1"/>
-          </p:nvPr>
-        </p:nvSpPr>
-        <p:spPr>
-          <a:xfrm>
-            <a:off x="1346450" y="930100"/>
-            <a:ext cx="5955000" cy="563700"/>
-          </a:xfrm>
-          <a:prstGeom prst="rect">
-            <a:avLst/>
-          </a:prstGeom>
-          <a:noFill/>
-          <a:ln>
-            <a:noFill/>
-          </a:ln>
-        </p:spPr>
-        <p:txBody>
-          <a:bodyPr spcFirstLastPara="1" wrap="square" lIns="91425" tIns="45700" rIns="91425" bIns="45700" anchor="t" anchorCtr="0">
-            <a:normAutofit/>
-          </a:bodyPr>
-          <a:lstStyle/>
-          <a:p>
-            <a:pPr marL="0" lvl="0" indent="0" algn="ctr" rtl="0">
-              <a:lnSpc>
-                <a:spcPct val="90000"/>
-              </a:lnSpc>
-              <a:spcBef>
-                <a:spcPts val="0"/>
-              </a:spcBef>
-              <a:spcAft>
-                <a:spcPts val="0"/>
-              </a:spcAft>
-              <a:buClr>
-                <a:schemeClr val="dk1"/>
-              </a:buClr>
-              <a:buSzPts val="2400"/>
-              <a:buNone/>
-            </a:pPr>
-            <a:r>
-              <a:rPr lang="en-US">
-                <a:latin typeface="Times New Roman"/>
-                <a:ea typeface="Times New Roman"/>
-                <a:cs typeface="Times New Roman"/>
-                <a:sym typeface="Times New Roman"/>
-              </a:rPr>
-              <a:t>Kết quả tính năng thống kê phổ điểm môn học</a:t>
-            </a:r>
-            <a:endParaRPr>
-              <a:latin typeface="Times New Roman"/>
-              <a:ea typeface="Times New Roman"/>
-              <a:cs typeface="Times New Roman"/>
-              <a:sym typeface="Times New Roman"/>
-            </a:endParaRPr>
-          </a:p>
-        </p:txBody>
-      </p:sp>
-      <p:sp>
-        <p:nvSpPr>
-          <p:cNvPr id="241" name="Google Shape;241;p32"/>
-          <p:cNvSpPr txBox="1"/>
-          <p:nvPr/>
-        </p:nvSpPr>
-        <p:spPr>
-          <a:xfrm>
-            <a:off x="1346446" y="0"/>
-            <a:ext cx="9144000" cy="728100"/>
-          </a:xfrm>
-          <a:prstGeom prst="rect">
-            <a:avLst/>
-          </a:prstGeom>
-          <a:noFill/>
-          <a:ln>
-            <a:noFill/>
-          </a:ln>
-        </p:spPr>
-        <p:txBody>
-          <a:bodyPr spcFirstLastPara="1" wrap="square" lIns="91425" tIns="45700" rIns="91425" bIns="45700" anchor="b" anchorCtr="0">
-            <a:normAutofit/>
-          </a:bodyPr>
-          <a:lstStyle/>
-          <a:p>
-            <a:pPr marL="0" marR="0" lvl="0" indent="0" algn="l" rtl="0">
-              <a:lnSpc>
-                <a:spcPct val="90000"/>
-              </a:lnSpc>
-              <a:spcBef>
-                <a:spcPts val="0"/>
-              </a:spcBef>
-              <a:spcAft>
-                <a:spcPts val="0"/>
-              </a:spcAft>
-              <a:buClr>
-                <a:schemeClr val="dk1"/>
-              </a:buClr>
-              <a:buSzPts val="4000"/>
-              <a:buFont typeface="Times New Roman"/>
-              <a:buNone/>
-            </a:pPr>
-            <a:r>
-              <a:rPr lang="en-US" sz="4000">
-                <a:solidFill>
-                  <a:schemeClr val="dk1"/>
-                </a:solidFill>
-                <a:latin typeface="Times New Roman"/>
-                <a:ea typeface="Times New Roman"/>
-                <a:cs typeface="Times New Roman"/>
-                <a:sym typeface="Times New Roman"/>
-              </a:rPr>
-              <a:t>3. Cách thực hiện và kết quả</a:t>
-            </a:r>
-            <a:endParaRPr sz="4000">
-              <a:solidFill>
-                <a:schemeClr val="dk1"/>
-              </a:solidFill>
-              <a:latin typeface="Times New Roman"/>
-              <a:ea typeface="Times New Roman"/>
-              <a:cs typeface="Times New Roman"/>
-              <a:sym typeface="Times New Roman"/>
-            </a:endParaRPr>
-          </a:p>
-        </p:txBody>
-      </p:sp>
-      <p:pic>
-        <p:nvPicPr>
-          <p:cNvPr id="242" name="Google Shape;242;p32"/>
-          <p:cNvPicPr preferRelativeResize="0"/>
-          <p:nvPr/>
-        </p:nvPicPr>
-        <p:blipFill rotWithShape="1">
-          <a:blip r:embed="rId3">
-            <a:alphaModFix/>
-          </a:blip>
-          <a:srcRect/>
-          <a:stretch/>
-        </p:blipFill>
-        <p:spPr>
-          <a:xfrm>
-            <a:off x="2209208" y="1338421"/>
-            <a:ext cx="7418476" cy="5383029"/>
-          </a:xfrm>
-          <a:prstGeom prst="rect">
-            <a:avLst/>
-          </a:prstGeom>
-          <a:noFill/>
-          <a:ln>
-            <a:noFill/>
-          </a:ln>
-        </p:spPr>
-      </p:pic>
-      <p:sp>
-        <p:nvSpPr>
-          <p:cNvPr id="6" name="Google Shape;117;p17">
-            <a:extLst>
-              <a:ext uri="{FF2B5EF4-FFF2-40B4-BE49-F238E27FC236}">
-                <a16:creationId xmlns:a16="http://schemas.microsoft.com/office/drawing/2014/main" id="{2709FC2D-5823-428E-811C-06A6E46E8295}"/>
-              </a:ext>
-            </a:extLst>
-          </p:cNvPr>
-          <p:cNvSpPr txBox="1">
-            <a:spLocks noGrp="1"/>
-          </p:cNvSpPr>
-          <p:nvPr>
-            <p:ph type="sldNum" idx="12"/>
-          </p:nvPr>
-        </p:nvSpPr>
-        <p:spPr>
-          <a:xfrm>
-            <a:off x="8610600" y="6356350"/>
-            <a:ext cx="2743200" cy="365100"/>
-          </a:xfrm>
-          <a:prstGeom prst="rect">
-            <a:avLst/>
-          </a:prstGeom>
-        </p:spPr>
-        <p:txBody>
-          <a:bodyPr spcFirstLastPara="1" wrap="square" lIns="91425" tIns="45700" rIns="91425" bIns="45700" anchor="ctr" anchorCtr="0">
-            <a:noAutofit/>
-          </a:bodyPr>
-          <a:lstStyle/>
-          <a:p>
-            <a:pPr marL="0" lvl="0" indent="0" algn="r" rtl="0">
-              <a:spcBef>
-                <a:spcPts val="0"/>
-              </a:spcBef>
-              <a:spcAft>
-                <a:spcPts val="0"/>
-              </a:spcAft>
-              <a:buClr>
-                <a:srgbClr val="000000"/>
-              </a:buClr>
-              <a:buFont typeface="Arial"/>
-              <a:buNone/>
-            </a:pPr>
-            <a:fld id="{00000000-1234-1234-1234-123412341234}" type="slidenum">
-              <a:rPr lang="en-US" sz="1600">
-                <a:solidFill>
-                  <a:schemeClr val="tx1"/>
-                </a:solidFill>
-                <a:latin typeface="Times New Roman" panose="02020603050405020304" pitchFamily="18" charset="0"/>
-                <a:cs typeface="Times New Roman" panose="02020603050405020304" pitchFamily="18" charset="0"/>
-              </a:rPr>
-              <a:t>20</a:t>
-            </a:fld>
-            <a:endParaRPr sz="1600" dirty="0">
-              <a:solidFill>
-                <a:schemeClr val="tx1"/>
-              </a:solidFill>
-              <a:latin typeface="Times New Roman" panose="02020603050405020304" pitchFamily="18" charset="0"/>
-              <a:cs typeface="Times New Roman" panose="02020603050405020304" pitchFamily="18" charset="0"/>
-            </a:endParaRPr>
-          </a:p>
-        </p:txBody>
-      </p:sp>
-    </p:spTree>
-  </p:cSld>
-  <p:clrMapOvr>
-    <a:masterClrMapping/>
-  </p:clrMapOvr>
-</p:sld>
-</file>
-
-<file path=ppt/slides/slide21.xml><?xml version="1.0" encoding="utf-8"?>
 <p:sld xmlns:a="http://schemas.openxmlformats.org/drawingml/2006/main" xmlns:r="http://schemas.openxmlformats.org/officeDocument/2006/relationships" xmlns:p="http://schemas.openxmlformats.org/presentationml/2006/main">
   <p:cSld>
     <p:spTree>
@@ -19296,7 +19164,7 @@
                 <a:latin typeface="Times New Roman" panose="02020603050405020304" pitchFamily="18" charset="0"/>
                 <a:cs typeface="Times New Roman" panose="02020603050405020304" pitchFamily="18" charset="0"/>
               </a:rPr>
-              <a:t>21</a:t>
+              <a:t>20</a:t>
             </a:fld>
             <a:endParaRPr sz="1600" dirty="0">
               <a:solidFill>
@@ -19304,6 +19172,68 @@
               </a:solidFill>
               <a:latin typeface="Times New Roman" panose="02020603050405020304" pitchFamily="18" charset="0"/>
               <a:cs typeface="Times New Roman" panose="02020603050405020304" pitchFamily="18" charset="0"/>
+            </a:endParaRPr>
+          </a:p>
+        </p:txBody>
+      </p:sp>
+      <p:sp>
+        <p:nvSpPr>
+          <p:cNvPr id="4" name="Rectangle 3">
+            <a:extLst>
+              <a:ext uri="{FF2B5EF4-FFF2-40B4-BE49-F238E27FC236}">
+                <a16:creationId xmlns:a16="http://schemas.microsoft.com/office/drawing/2014/main" id="{70196040-7588-4A43-99A4-BACF21C7D058}"/>
+              </a:ext>
+            </a:extLst>
+          </p:cNvPr>
+          <p:cNvSpPr/>
+          <p:nvPr/>
+        </p:nvSpPr>
+        <p:spPr>
+          <a:xfrm>
+            <a:off x="2733152" y="3429000"/>
+            <a:ext cx="1607735" cy="228600"/>
+          </a:xfrm>
+          <a:prstGeom prst="rect">
+            <a:avLst/>
+          </a:prstGeom>
+          <a:solidFill>
+            <a:schemeClr val="bg1">
+              <a:lumMod val="75000"/>
+            </a:schemeClr>
+          </a:solidFill>
+          <a:ln>
+            <a:solidFill>
+              <a:schemeClr val="bg1">
+                <a:lumMod val="75000"/>
+              </a:schemeClr>
+            </a:solidFill>
+          </a:ln>
+        </p:spPr>
+        <p:style>
+          <a:lnRef idx="2">
+            <a:schemeClr val="accent1">
+              <a:shade val="50000"/>
+            </a:schemeClr>
+          </a:lnRef>
+          <a:fillRef idx="1">
+            <a:schemeClr val="accent1"/>
+          </a:fillRef>
+          <a:effectRef idx="0">
+            <a:schemeClr val="accent1"/>
+          </a:effectRef>
+          <a:fontRef idx="minor">
+            <a:schemeClr val="lt1"/>
+          </a:fontRef>
+        </p:style>
+        <p:txBody>
+          <a:bodyPr rtlCol="0" anchor="ctr"/>
+          <a:lstStyle/>
+          <a:p>
+            <a:pPr algn="ctr"/>
+            <a:endParaRPr lang="en-US" dirty="0">
+              <a:highlight>
+                <a:srgbClr val="FF0000"/>
+              </a:highlight>
             </a:endParaRPr>
           </a:p>
         </p:txBody>
@@ -19316,252 +19246,7 @@
 </p:sld>
 </file>
 
-<file path=ppt/slides/slide22.xml><?xml version="1.0" encoding="utf-8"?>
-<p:sld xmlns:a="http://schemas.openxmlformats.org/drawingml/2006/main" xmlns:r="http://schemas.openxmlformats.org/officeDocument/2006/relationships" xmlns:p="http://schemas.openxmlformats.org/presentationml/2006/main">
-  <p:cSld>
-    <p:spTree>
-      <p:nvGrpSpPr>
-        <p:cNvPr id="1" name="Shape 255"/>
-        <p:cNvGrpSpPr/>
-        <p:nvPr/>
-      </p:nvGrpSpPr>
-      <p:grpSpPr>
-        <a:xfrm>
-          <a:off x="0" y="0"/>
-          <a:ext cx="0" cy="0"/>
-          <a:chOff x="0" y="0"/>
-          <a:chExt cx="0" cy="0"/>
-        </a:xfrm>
-      </p:grpSpPr>
-      <p:sp>
-        <p:nvSpPr>
-          <p:cNvPr id="256" name="Google Shape;256;p34"/>
-          <p:cNvSpPr txBox="1">
-            <a:spLocks noGrp="1"/>
-          </p:cNvSpPr>
-          <p:nvPr>
-            <p:ph type="subTitle" idx="1"/>
-          </p:nvPr>
-        </p:nvSpPr>
-        <p:spPr>
-          <a:xfrm>
-            <a:off x="1059525" y="853600"/>
-            <a:ext cx="6459600" cy="555600"/>
-          </a:xfrm>
-          <a:prstGeom prst="rect">
-            <a:avLst/>
-          </a:prstGeom>
-          <a:noFill/>
-          <a:ln>
-            <a:noFill/>
-          </a:ln>
-        </p:spPr>
-        <p:txBody>
-          <a:bodyPr spcFirstLastPara="1" wrap="square" lIns="91425" tIns="45700" rIns="91425" bIns="45700" anchor="t" anchorCtr="0">
-            <a:normAutofit/>
-          </a:bodyPr>
-          <a:lstStyle/>
-          <a:p>
-            <a:pPr marL="0" lvl="0" indent="0" algn="ctr" rtl="0">
-              <a:lnSpc>
-                <a:spcPct val="90000"/>
-              </a:lnSpc>
-              <a:spcBef>
-                <a:spcPts val="0"/>
-              </a:spcBef>
-              <a:spcAft>
-                <a:spcPts val="0"/>
-              </a:spcAft>
-              <a:buClr>
-                <a:schemeClr val="dk1"/>
-              </a:buClr>
-              <a:buSzPts val="2400"/>
-              <a:buNone/>
-            </a:pPr>
-            <a:r>
-              <a:rPr lang="en-US">
-                <a:latin typeface="Times New Roman"/>
-                <a:ea typeface="Times New Roman"/>
-                <a:cs typeface="Times New Roman"/>
-                <a:sym typeface="Times New Roman"/>
-              </a:rPr>
-              <a:t>Kết quả tính năng gợi ý môn học cho sinh viên</a:t>
-            </a:r>
-            <a:endParaRPr>
-              <a:latin typeface="Times New Roman"/>
-              <a:ea typeface="Times New Roman"/>
-              <a:cs typeface="Times New Roman"/>
-              <a:sym typeface="Times New Roman"/>
-            </a:endParaRPr>
-          </a:p>
-        </p:txBody>
-      </p:sp>
-      <p:sp>
-        <p:nvSpPr>
-          <p:cNvPr id="257" name="Google Shape;257;p34"/>
-          <p:cNvSpPr txBox="1"/>
-          <p:nvPr/>
-        </p:nvSpPr>
-        <p:spPr>
-          <a:xfrm>
-            <a:off x="1346446" y="0"/>
-            <a:ext cx="9144000" cy="727969"/>
-          </a:xfrm>
-          <a:prstGeom prst="rect">
-            <a:avLst/>
-          </a:prstGeom>
-          <a:noFill/>
-          <a:ln>
-            <a:noFill/>
-          </a:ln>
-        </p:spPr>
-        <p:txBody>
-          <a:bodyPr spcFirstLastPara="1" wrap="square" lIns="91425" tIns="45700" rIns="91425" bIns="45700" anchor="b" anchorCtr="0">
-            <a:normAutofit/>
-          </a:bodyPr>
-          <a:lstStyle/>
-          <a:p>
-            <a:pPr marL="0" marR="0" lvl="0" indent="0" algn="l" rtl="0">
-              <a:lnSpc>
-                <a:spcPct val="90000"/>
-              </a:lnSpc>
-              <a:spcBef>
-                <a:spcPts val="0"/>
-              </a:spcBef>
-              <a:spcAft>
-                <a:spcPts val="0"/>
-              </a:spcAft>
-              <a:buClr>
-                <a:schemeClr val="dk1"/>
-              </a:buClr>
-              <a:buSzPts val="4000"/>
-              <a:buFont typeface="Times New Roman"/>
-              <a:buNone/>
-            </a:pPr>
-            <a:r>
-              <a:rPr lang="en-US" sz="4000">
-                <a:solidFill>
-                  <a:schemeClr val="dk1"/>
-                </a:solidFill>
-                <a:latin typeface="Times New Roman"/>
-                <a:ea typeface="Times New Roman"/>
-                <a:cs typeface="Times New Roman"/>
-                <a:sym typeface="Times New Roman"/>
-              </a:rPr>
-              <a:t>3. Cách thực hiện và kết quả</a:t>
-            </a:r>
-            <a:endParaRPr sz="4000">
-              <a:solidFill>
-                <a:schemeClr val="dk1"/>
-              </a:solidFill>
-              <a:latin typeface="Times New Roman"/>
-              <a:ea typeface="Times New Roman"/>
-              <a:cs typeface="Times New Roman"/>
-              <a:sym typeface="Times New Roman"/>
-            </a:endParaRPr>
-          </a:p>
-        </p:txBody>
-      </p:sp>
-      <p:pic>
-        <p:nvPicPr>
-          <p:cNvPr id="258" name="Google Shape;258;p34"/>
-          <p:cNvPicPr preferRelativeResize="0"/>
-          <p:nvPr/>
-        </p:nvPicPr>
-        <p:blipFill rotWithShape="1">
-          <a:blip r:embed="rId3">
-            <a:alphaModFix/>
-          </a:blip>
-          <a:srcRect/>
-          <a:stretch/>
-        </p:blipFill>
-        <p:spPr>
-          <a:xfrm>
-            <a:off x="956193" y="1287215"/>
-            <a:ext cx="10279614" cy="5069135"/>
-          </a:xfrm>
-          <a:prstGeom prst="rect">
-            <a:avLst/>
-          </a:prstGeom>
-          <a:noFill/>
-          <a:ln>
-            <a:noFill/>
-          </a:ln>
-        </p:spPr>
-      </p:pic>
-      <p:sp>
-        <p:nvSpPr>
-          <p:cNvPr id="6" name="Google Shape;117;p17">
-            <a:extLst>
-              <a:ext uri="{FF2B5EF4-FFF2-40B4-BE49-F238E27FC236}">
-                <a16:creationId xmlns:a16="http://schemas.microsoft.com/office/drawing/2014/main" id="{EE753F41-6A29-4E61-86AF-2BB788A12D27}"/>
-              </a:ext>
-            </a:extLst>
-          </p:cNvPr>
-          <p:cNvSpPr txBox="1">
-            <a:spLocks noGrp="1"/>
-          </p:cNvSpPr>
-          <p:nvPr>
-            <p:ph type="sldNum" idx="12"/>
-          </p:nvPr>
-        </p:nvSpPr>
-        <p:spPr>
-          <a:xfrm>
-            <a:off x="8610600" y="6356350"/>
-            <a:ext cx="2743200" cy="365100"/>
-          </a:xfrm>
-          <a:prstGeom prst="rect">
-            <a:avLst/>
-          </a:prstGeom>
-        </p:spPr>
-        <p:txBody>
-          <a:bodyPr spcFirstLastPara="1" wrap="square" lIns="91425" tIns="45700" rIns="91425" bIns="45700" anchor="ctr" anchorCtr="0">
-            <a:noAutofit/>
-          </a:bodyPr>
-          <a:lstStyle/>
-          <a:p>
-            <a:pPr marL="0" lvl="0" indent="0" algn="r" rtl="0">
-              <a:spcBef>
-                <a:spcPts val="0"/>
-              </a:spcBef>
-              <a:spcAft>
-                <a:spcPts val="0"/>
-              </a:spcAft>
-              <a:buClr>
-                <a:srgbClr val="000000"/>
-              </a:buClr>
-              <a:buFont typeface="Arial"/>
-              <a:buNone/>
-            </a:pPr>
-            <a:fld id="{00000000-1234-1234-1234-123412341234}" type="slidenum">
-              <a:rPr lang="en-US" sz="1600">
-                <a:solidFill>
-                  <a:schemeClr val="tx1"/>
-                </a:solidFill>
-                <a:latin typeface="Times New Roman" panose="02020603050405020304" pitchFamily="18" charset="0"/>
-                <a:cs typeface="Times New Roman" panose="02020603050405020304" pitchFamily="18" charset="0"/>
-              </a:rPr>
-              <a:t>22</a:t>
-            </a:fld>
-            <a:endParaRPr sz="1600" dirty="0">
-              <a:solidFill>
-                <a:schemeClr val="tx1"/>
-              </a:solidFill>
-              <a:latin typeface="Times New Roman" panose="02020603050405020304" pitchFamily="18" charset="0"/>
-              <a:cs typeface="Times New Roman" panose="02020603050405020304" pitchFamily="18" charset="0"/>
-            </a:endParaRPr>
-          </a:p>
-        </p:txBody>
-      </p:sp>
-    </p:spTree>
-  </p:cSld>
-  <p:clrMapOvr>
-    <a:masterClrMapping/>
-  </p:clrMapOvr>
-</p:sld>
-</file>
-
-<file path=ppt/slides/slide23.xml><?xml version="1.0" encoding="utf-8"?>
+<file path=ppt/slides/slide21.xml><?xml version="1.0" encoding="utf-8"?>
 <p:sld xmlns:a="http://schemas.openxmlformats.org/drawingml/2006/main" xmlns:r="http://schemas.openxmlformats.org/officeDocument/2006/relationships" xmlns:p="http://schemas.openxmlformats.org/presentationml/2006/main">
   <p:cSld>
     <p:spTree>
@@ -20693,8 +20378,8 @@
         </p:nvSpPr>
         <p:spPr>
           <a:xfrm>
-            <a:off x="1346446" y="3326798"/>
-            <a:ext cx="10070237" cy="3029552"/>
+            <a:off x="1346446" y="3578544"/>
+            <a:ext cx="10070237" cy="2420859"/>
           </a:xfrm>
           <a:prstGeom prst="rect">
             <a:avLst/>
@@ -20986,63 +20671,6 @@
               </a:rPr>
               <a:t>Phiên bản 1 đã hoàn thiện các tính năng giải quyết bài toán đã đề ra</a:t>
             </a:r>
-          </a:p>
-          <a:p>
-            <a:pPr marL="342900" indent="-342900" algn="l">
-              <a:buFont typeface="Times New Roman"/>
-              <a:buChar char="•"/>
-            </a:pPr>
-            <a:r>
-              <a:rPr lang="vi-VN" dirty="0">
-                <a:latin typeface="Times New Roman"/>
-                <a:ea typeface="Times New Roman"/>
-                <a:cs typeface="Times New Roman"/>
-                <a:sym typeface="Times New Roman"/>
-              </a:rPr>
-              <a:t>Tại phiên bản 1 đã tích hợp được dữ liệu điểm của K60</a:t>
-            </a:r>
-            <a:r>
-              <a:rPr lang="en-US" dirty="0">
-                <a:latin typeface="Times New Roman"/>
-                <a:ea typeface="Times New Roman"/>
-                <a:cs typeface="Times New Roman"/>
-                <a:sym typeface="Times New Roman"/>
-              </a:rPr>
-              <a:t> </a:t>
-            </a:r>
-            <a:r>
-              <a:rPr lang="en-US" dirty="0" err="1">
-                <a:latin typeface="Times New Roman"/>
-                <a:ea typeface="Times New Roman"/>
-                <a:cs typeface="Times New Roman"/>
-                <a:sym typeface="Times New Roman"/>
-              </a:rPr>
-              <a:t>đến</a:t>
-            </a:r>
-            <a:r>
-              <a:rPr lang="vi-VN" dirty="0">
-                <a:latin typeface="Times New Roman"/>
-                <a:ea typeface="Times New Roman"/>
-                <a:cs typeface="Times New Roman"/>
-                <a:sym typeface="Times New Roman"/>
-              </a:rPr>
-              <a:t> K6</a:t>
-            </a:r>
-            <a:r>
-              <a:rPr lang="en-US" dirty="0">
-                <a:latin typeface="Times New Roman"/>
-                <a:ea typeface="Times New Roman"/>
-                <a:cs typeface="Times New Roman"/>
-                <a:sym typeface="Times New Roman"/>
-              </a:rPr>
-              <a:t>5</a:t>
-            </a:r>
-            <a:endParaRPr lang="vi-VN" dirty="0">
-              <a:latin typeface="Times New Roman"/>
-              <a:ea typeface="Times New Roman"/>
-              <a:cs typeface="Times New Roman"/>
-              <a:sym typeface="Times New Roman"/>
-            </a:endParaRPr>
           </a:p>
           <a:p>
             <a:pPr marL="342900" indent="-342900" algn="l">
@@ -21114,7 +20742,7 @@
                 <a:latin typeface="Times New Roman" panose="02020603050405020304" pitchFamily="18" charset="0"/>
                 <a:cs typeface="Times New Roman" panose="02020603050405020304" pitchFamily="18" charset="0"/>
               </a:rPr>
-              <a:t>23</a:t>
+              <a:t>21</a:t>
             </a:fld>
             <a:endParaRPr sz="1600" dirty="0">
               <a:solidFill>
@@ -21134,7 +20762,7 @@
 </p:sld>
 </file>
 
-<file path=ppt/slides/slide24.xml><?xml version="1.0" encoding="utf-8"?>
+<file path=ppt/slides/slide22.xml><?xml version="1.0" encoding="utf-8"?>
 <p:sld xmlns:a="http://schemas.openxmlformats.org/drawingml/2006/main" xmlns:r="http://schemas.openxmlformats.org/officeDocument/2006/relationships" xmlns:p="http://schemas.openxmlformats.org/presentationml/2006/main">
   <p:cSld>
     <p:spTree>
@@ -21949,7 +21577,7 @@
                 <a:latin typeface="Times New Roman" panose="02020603050405020304" pitchFamily="18" charset="0"/>
                 <a:cs typeface="Times New Roman" panose="02020603050405020304" pitchFamily="18" charset="0"/>
               </a:rPr>
-              <a:t>24</a:t>
+              <a:t>22</a:t>
             </a:fld>
             <a:endParaRPr sz="1600" dirty="0">
               <a:solidFill>
@@ -21969,7 +21597,7 @@
 </p:sld>
 </file>
 
-<file path=ppt/slides/slide25.xml><?xml version="1.0" encoding="utf-8"?>
+<file path=ppt/slides/slide23.xml><?xml version="1.0" encoding="utf-8"?>
 <p:sld xmlns:a="http://schemas.openxmlformats.org/drawingml/2006/main" xmlns:r="http://schemas.openxmlformats.org/officeDocument/2006/relationships" xmlns:p="http://schemas.openxmlformats.org/presentationml/2006/main">
   <p:cSld>
     <p:spTree>
@@ -22102,7 +21730,7 @@
                 <a:latin typeface="Times New Roman" panose="02020603050405020304" pitchFamily="18" charset="0"/>
                 <a:cs typeface="Times New Roman" panose="02020603050405020304" pitchFamily="18" charset="0"/>
               </a:rPr>
-              <a:t>25</a:t>
+              <a:t>23</a:t>
             </a:fld>
             <a:endParaRPr sz="1600" dirty="0">
               <a:solidFill>
@@ -24503,7 +24131,25 @@
                 <a:cs typeface="Times New Roman"/>
                 <a:sym typeface="Times New Roman"/>
               </a:rPr>
-              <a:t>giúp</a:t>
+              <a:t>hỗ</a:t>
+            </a:r>
+            <a:r>
+              <a:rPr lang="en-US" sz="3200" dirty="0">
+                <a:latin typeface="Times New Roman"/>
+                <a:ea typeface="Times New Roman"/>
+                <a:cs typeface="Times New Roman"/>
+                <a:sym typeface="Times New Roman"/>
+              </a:rPr>
+              <a:t> </a:t>
+            </a:r>
+            <a:r>
+              <a:rPr lang="en-US" sz="3200" dirty="0" err="1">
+                <a:latin typeface="Times New Roman"/>
+                <a:ea typeface="Times New Roman"/>
+                <a:cs typeface="Times New Roman"/>
+                <a:sym typeface="Times New Roman"/>
+              </a:rPr>
+              <a:t>trợ</a:t>
             </a:r>
             <a:r>
               <a:rPr lang="en-US" sz="3200" dirty="0">
